--- a/asset/ppt/ch04.pptx
+++ b/asset/ppt/ch04.pptx
@@ -259,7 +259,7 @@
           <a:p>
             <a:fld id="{89851C12-1240-5B46-BD94-A3C3FBB79758}" type="datetimeFigureOut">
               <a:rPr kumimoji="1" lang="zh-TW" altLang="en-US" smtClean="0"/>
-              <a:t>2026/1/4</a:t>
+              <a:t>2026/1/19</a:t>
             </a:fld>
             <a:endParaRPr kumimoji="1" lang="zh-TW" altLang="en-US"/>
           </a:p>
@@ -457,7 +457,7 @@
           <a:p>
             <a:fld id="{89851C12-1240-5B46-BD94-A3C3FBB79758}" type="datetimeFigureOut">
               <a:rPr kumimoji="1" lang="zh-TW" altLang="en-US" smtClean="0"/>
-              <a:t>2026/1/4</a:t>
+              <a:t>2026/1/19</a:t>
             </a:fld>
             <a:endParaRPr kumimoji="1" lang="zh-TW" altLang="en-US"/>
           </a:p>
@@ -665,7 +665,7 @@
           <a:p>
             <a:fld id="{89851C12-1240-5B46-BD94-A3C3FBB79758}" type="datetimeFigureOut">
               <a:rPr kumimoji="1" lang="zh-TW" altLang="en-US" smtClean="0"/>
-              <a:t>2026/1/4</a:t>
+              <a:t>2026/1/19</a:t>
             </a:fld>
             <a:endParaRPr kumimoji="1" lang="zh-TW" altLang="en-US"/>
           </a:p>
@@ -863,7 +863,7 @@
           <a:p>
             <a:fld id="{89851C12-1240-5B46-BD94-A3C3FBB79758}" type="datetimeFigureOut">
               <a:rPr kumimoji="1" lang="zh-TW" altLang="en-US" smtClean="0"/>
-              <a:t>2026/1/4</a:t>
+              <a:t>2026/1/19</a:t>
             </a:fld>
             <a:endParaRPr kumimoji="1" lang="zh-TW" altLang="en-US"/>
           </a:p>
@@ -1138,7 +1138,7 @@
           <a:p>
             <a:fld id="{89851C12-1240-5B46-BD94-A3C3FBB79758}" type="datetimeFigureOut">
               <a:rPr kumimoji="1" lang="zh-TW" altLang="en-US" smtClean="0"/>
-              <a:t>2026/1/4</a:t>
+              <a:t>2026/1/19</a:t>
             </a:fld>
             <a:endParaRPr kumimoji="1" lang="zh-TW" altLang="en-US"/>
           </a:p>
@@ -1403,7 +1403,7 @@
           <a:p>
             <a:fld id="{89851C12-1240-5B46-BD94-A3C3FBB79758}" type="datetimeFigureOut">
               <a:rPr kumimoji="1" lang="zh-TW" altLang="en-US" smtClean="0"/>
-              <a:t>2026/1/4</a:t>
+              <a:t>2026/1/19</a:t>
             </a:fld>
             <a:endParaRPr kumimoji="1" lang="zh-TW" altLang="en-US"/>
           </a:p>
@@ -1815,7 +1815,7 @@
           <a:p>
             <a:fld id="{89851C12-1240-5B46-BD94-A3C3FBB79758}" type="datetimeFigureOut">
               <a:rPr kumimoji="1" lang="zh-TW" altLang="en-US" smtClean="0"/>
-              <a:t>2026/1/4</a:t>
+              <a:t>2026/1/19</a:t>
             </a:fld>
             <a:endParaRPr kumimoji="1" lang="zh-TW" altLang="en-US"/>
           </a:p>
@@ -1956,7 +1956,7 @@
           <a:p>
             <a:fld id="{89851C12-1240-5B46-BD94-A3C3FBB79758}" type="datetimeFigureOut">
               <a:rPr kumimoji="1" lang="zh-TW" altLang="en-US" smtClean="0"/>
-              <a:t>2026/1/4</a:t>
+              <a:t>2026/1/19</a:t>
             </a:fld>
             <a:endParaRPr kumimoji="1" lang="zh-TW" altLang="en-US"/>
           </a:p>
@@ -2069,7 +2069,7 @@
           <a:p>
             <a:fld id="{89851C12-1240-5B46-BD94-A3C3FBB79758}" type="datetimeFigureOut">
               <a:rPr kumimoji="1" lang="zh-TW" altLang="en-US" smtClean="0"/>
-              <a:t>2026/1/4</a:t>
+              <a:t>2026/1/19</a:t>
             </a:fld>
             <a:endParaRPr kumimoji="1" lang="zh-TW" altLang="en-US"/>
           </a:p>
@@ -2380,7 +2380,7 @@
           <a:p>
             <a:fld id="{89851C12-1240-5B46-BD94-A3C3FBB79758}" type="datetimeFigureOut">
               <a:rPr kumimoji="1" lang="zh-TW" altLang="en-US" smtClean="0"/>
-              <a:t>2026/1/4</a:t>
+              <a:t>2026/1/19</a:t>
             </a:fld>
             <a:endParaRPr kumimoji="1" lang="zh-TW" altLang="en-US"/>
           </a:p>
@@ -2668,7 +2668,7 @@
           <a:p>
             <a:fld id="{89851C12-1240-5B46-BD94-A3C3FBB79758}" type="datetimeFigureOut">
               <a:rPr kumimoji="1" lang="zh-TW" altLang="en-US" smtClean="0"/>
-              <a:t>2026/1/4</a:t>
+              <a:t>2026/1/19</a:t>
             </a:fld>
             <a:endParaRPr kumimoji="1" lang="zh-TW" altLang="en-US"/>
           </a:p>
@@ -2909,7 +2909,7 @@
           <a:p>
             <a:fld id="{89851C12-1240-5B46-BD94-A3C3FBB79758}" type="datetimeFigureOut">
               <a:rPr kumimoji="1" lang="zh-TW" altLang="en-US" smtClean="0"/>
-              <a:t>2026/1/4</a:t>
+              <a:t>2026/1/19</a:t>
             </a:fld>
             <a:endParaRPr kumimoji="1" lang="zh-TW" altLang="en-US"/>
           </a:p>
@@ -3326,12 +3326,416 @@
           <a:chExt cx="0" cy="0"/>
         </a:xfrm>
       </p:grpSpPr>
+      <p:sp>
+        <p:nvSpPr>
+          <p:cNvPr id="4" name="矩形 3">
+            <a:extLst>
+              <a:ext uri="{FF2B5EF4-FFF2-40B4-BE49-F238E27FC236}">
+                <a16:creationId xmlns:a16="http://schemas.microsoft.com/office/drawing/2014/main" id="{A843311B-F758-437D-7E41-2DB1ADE15C31}"/>
+              </a:ext>
+            </a:extLst>
+          </p:cNvPr>
+          <p:cNvSpPr/>
+          <p:nvPr/>
+        </p:nvSpPr>
+        <p:spPr>
+          <a:xfrm>
+            <a:off x="2336888" y="684473"/>
+            <a:ext cx="3062124" cy="1474111"/>
+          </a:xfrm>
+          <a:prstGeom prst="rect">
+            <a:avLst/>
+          </a:prstGeom>
+          <a:solidFill>
+            <a:schemeClr val="accent2">
+              <a:lumMod val="40000"/>
+              <a:lumOff val="60000"/>
+            </a:schemeClr>
+          </a:solidFill>
+        </p:spPr>
+        <p:style>
+          <a:lnRef idx="2">
+            <a:schemeClr val="accent1">
+              <a:shade val="15000"/>
+            </a:schemeClr>
+          </a:lnRef>
+          <a:fillRef idx="1">
+            <a:schemeClr val="accent1"/>
+          </a:fillRef>
+          <a:effectRef idx="0">
+            <a:schemeClr val="accent1"/>
+          </a:effectRef>
+          <a:fontRef idx="minor">
+            <a:schemeClr val="lt1"/>
+          </a:fontRef>
+        </p:style>
+        <p:txBody>
+          <a:bodyPr rtlCol="0" anchor="ctr"/>
+          <a:lstStyle/>
+          <a:p>
+            <a:pPr algn="ctr"/>
+            <a:r>
+              <a:rPr kumimoji="1" lang="en-US" altLang="zh-TW" sz="1600" b="1" dirty="0">
+                <a:solidFill>
+                  <a:schemeClr val="tx1"/>
+                </a:solidFill>
+                <a:latin typeface="Courier New" panose="02070309020205020404" pitchFamily="49" charset="0"/>
+                <a:cs typeface="Courier New" panose="02070309020205020404" pitchFamily="49" charset="0"/>
+              </a:rPr>
+              <a:t>Node </a:t>
+            </a:r>
+          </a:p>
+          <a:p>
+            <a:pPr algn="ctr">
+              <a:spcAft>
+                <a:spcPts val="600"/>
+              </a:spcAft>
+            </a:pPr>
+            <a:r>
+              <a:rPr kumimoji="1" lang="en-US" altLang="zh-TW" sz="1200" dirty="0">
+                <a:solidFill>
+                  <a:schemeClr val="tx1"/>
+                </a:solidFill>
+                <a:latin typeface="Courier New" panose="02070309020205020404" pitchFamily="49" charset="0"/>
+                <a:cs typeface="Courier New" panose="02070309020205020404" pitchFamily="49" charset="0"/>
+              </a:rPr>
+              <a:t>(Singly Linked List)</a:t>
+            </a:r>
+          </a:p>
+          <a:p>
+            <a:r>
+              <a:rPr kumimoji="1" lang="en-US" altLang="zh-TW" sz="1400" dirty="0">
+                <a:solidFill>
+                  <a:schemeClr val="tx1"/>
+                </a:solidFill>
+                <a:latin typeface="Courier New" panose="02070309020205020404" pitchFamily="49" charset="0"/>
+                <a:cs typeface="Courier New" panose="02070309020205020404" pitchFamily="49" charset="0"/>
+              </a:rPr>
+              <a:t>Attribute</a:t>
+            </a:r>
+          </a:p>
+          <a:p>
+            <a:r>
+              <a:rPr kumimoji="1" lang="en-US" altLang="zh-TW" sz="1400" dirty="0">
+                <a:solidFill>
+                  <a:schemeClr val="tx1"/>
+                </a:solidFill>
+                <a:latin typeface="Courier New" panose="02070309020205020404" pitchFamily="49" charset="0"/>
+                <a:cs typeface="Courier New" panose="02070309020205020404" pitchFamily="49" charset="0"/>
+              </a:rPr>
+              <a:t>- data</a:t>
+            </a:r>
+          </a:p>
+          <a:p>
+            <a:r>
+              <a:rPr kumimoji="1" lang="en-US" altLang="zh-TW" sz="1400" dirty="0">
+                <a:solidFill>
+                  <a:schemeClr val="tx1"/>
+                </a:solidFill>
+                <a:latin typeface="Courier New" panose="02070309020205020404" pitchFamily="49" charset="0"/>
+                <a:cs typeface="Courier New" panose="02070309020205020404" pitchFamily="49" charset="0"/>
+              </a:rPr>
+              <a:t>- next</a:t>
+            </a:r>
+            <a:endParaRPr kumimoji="1" lang="zh-TW" altLang="en-US" sz="1400" dirty="0">
+              <a:solidFill>
+                <a:schemeClr val="tx1"/>
+              </a:solidFill>
+              <a:latin typeface="Courier New" panose="02070309020205020404" pitchFamily="49" charset="0"/>
+              <a:cs typeface="Courier New" panose="02070309020205020404" pitchFamily="49" charset="0"/>
+            </a:endParaRPr>
+          </a:p>
+        </p:txBody>
+      </p:sp>
+      <p:sp>
+        <p:nvSpPr>
+          <p:cNvPr id="19" name="向右箭號 18">
+            <a:extLst>
+              <a:ext uri="{FF2B5EF4-FFF2-40B4-BE49-F238E27FC236}">
+                <a16:creationId xmlns:a16="http://schemas.microsoft.com/office/drawing/2014/main" id="{98852B0A-32FF-3D64-2D36-1DC77C61D76C}"/>
+              </a:ext>
+            </a:extLst>
+          </p:cNvPr>
+          <p:cNvSpPr/>
+          <p:nvPr/>
+        </p:nvSpPr>
+        <p:spPr>
+          <a:xfrm>
+            <a:off x="5446449" y="1696129"/>
+            <a:ext cx="1440000" cy="252000"/>
+          </a:xfrm>
+          <a:prstGeom prst="rightArrow">
+            <a:avLst/>
+          </a:prstGeom>
+        </p:spPr>
+        <p:style>
+          <a:lnRef idx="2">
+            <a:schemeClr val="accent1">
+              <a:shade val="15000"/>
+            </a:schemeClr>
+          </a:lnRef>
+          <a:fillRef idx="1">
+            <a:schemeClr val="accent1"/>
+          </a:fillRef>
+          <a:effectRef idx="0">
+            <a:schemeClr val="accent1"/>
+          </a:effectRef>
+          <a:fontRef idx="minor">
+            <a:schemeClr val="lt1"/>
+          </a:fontRef>
+        </p:style>
+        <p:txBody>
+          <a:bodyPr rtlCol="0" anchor="ctr"/>
+          <a:lstStyle/>
+          <a:p>
+            <a:pPr algn="ctr"/>
+            <a:endParaRPr kumimoji="1" lang="zh-TW" altLang="en-US" sz="1400" dirty="0">
+              <a:latin typeface="Courier New" panose="02070309020205020404" pitchFamily="49" charset="0"/>
+              <a:cs typeface="Courier New" panose="02070309020205020404" pitchFamily="49" charset="0"/>
+            </a:endParaRPr>
+          </a:p>
+        </p:txBody>
+      </p:sp>
+      <p:sp>
+        <p:nvSpPr>
+          <p:cNvPr id="2" name="矩形 1">
+            <a:extLst>
+              <a:ext uri="{FF2B5EF4-FFF2-40B4-BE49-F238E27FC236}">
+                <a16:creationId xmlns:a16="http://schemas.microsoft.com/office/drawing/2014/main" id="{F5E08F4C-B6D2-F367-EB68-3A04DFC13614}"/>
+              </a:ext>
+            </a:extLst>
+          </p:cNvPr>
+          <p:cNvSpPr/>
+          <p:nvPr/>
+        </p:nvSpPr>
+        <p:spPr>
+          <a:xfrm>
+            <a:off x="2336888" y="2256022"/>
+            <a:ext cx="3062124" cy="1326628"/>
+          </a:xfrm>
+          <a:prstGeom prst="rect">
+            <a:avLst/>
+          </a:prstGeom>
+          <a:solidFill>
+            <a:schemeClr val="accent1"/>
+          </a:solidFill>
+        </p:spPr>
+        <p:style>
+          <a:lnRef idx="2">
+            <a:schemeClr val="accent1">
+              <a:shade val="15000"/>
+            </a:schemeClr>
+          </a:lnRef>
+          <a:fillRef idx="1">
+            <a:schemeClr val="accent1"/>
+          </a:fillRef>
+          <a:effectRef idx="0">
+            <a:schemeClr val="accent1"/>
+          </a:effectRef>
+          <a:fontRef idx="minor">
+            <a:schemeClr val="lt1"/>
+          </a:fontRef>
+        </p:style>
+        <p:txBody>
+          <a:bodyPr rtlCol="0" anchor="ctr"/>
+          <a:lstStyle/>
+          <a:p>
+            <a:pPr algn="ctr">
+              <a:spcAft>
+                <a:spcPts val="600"/>
+              </a:spcAft>
+            </a:pPr>
+            <a:r>
+              <a:rPr kumimoji="1" lang="en-US" altLang="zh-TW" sz="1400" b="1" dirty="0">
+                <a:solidFill>
+                  <a:schemeClr val="bg1"/>
+                </a:solidFill>
+                <a:latin typeface="Courier New" panose="02070309020205020404" pitchFamily="49" charset="0"/>
+                <a:cs typeface="Courier New" panose="02070309020205020404" pitchFamily="49" charset="0"/>
+              </a:rPr>
+              <a:t>Helper Function</a:t>
+            </a:r>
+          </a:p>
+          <a:p>
+            <a:pPr marL="171450" indent="-171450">
+              <a:buFontTx/>
+              <a:buChar char="-"/>
+            </a:pPr>
+            <a:r>
+              <a:rPr kumimoji="1" lang="en-US" altLang="zh-TW" sz="1400" dirty="0">
+                <a:solidFill>
+                  <a:schemeClr val="bg1"/>
+                </a:solidFill>
+                <a:latin typeface="Courier New" panose="02070309020205020404" pitchFamily="49" charset="0"/>
+                <a:cs typeface="Courier New" panose="02070309020205020404" pitchFamily="49" charset="0"/>
+              </a:rPr>
+              <a:t>__</a:t>
+            </a:r>
+            <a:r>
+              <a:rPr kumimoji="1" lang="en-US" altLang="zh-TW" sz="1400" dirty="0" err="1">
+                <a:solidFill>
+                  <a:schemeClr val="bg1"/>
+                </a:solidFill>
+                <a:latin typeface="Courier New" panose="02070309020205020404" pitchFamily="49" charset="0"/>
+                <a:cs typeface="Courier New" panose="02070309020205020404" pitchFamily="49" charset="0"/>
+              </a:rPr>
+              <a:t>init</a:t>
+            </a:r>
+            <a:r>
+              <a:rPr kumimoji="1" lang="en-US" altLang="zh-TW" sz="1400" dirty="0">
+                <a:solidFill>
+                  <a:schemeClr val="bg1"/>
+                </a:solidFill>
+                <a:latin typeface="Courier New" panose="02070309020205020404" pitchFamily="49" charset="0"/>
+                <a:cs typeface="Courier New" panose="02070309020205020404" pitchFamily="49" charset="0"/>
+              </a:rPr>
+              <a:t>__()</a:t>
+            </a:r>
+          </a:p>
+          <a:p>
+            <a:pPr marL="171450" indent="-171450">
+              <a:buFontTx/>
+              <a:buChar char="-"/>
+            </a:pPr>
+            <a:r>
+              <a:rPr kumimoji="1" lang="en-US" altLang="zh-TW" sz="1400" dirty="0">
+                <a:solidFill>
+                  <a:schemeClr val="bg1"/>
+                </a:solidFill>
+                <a:latin typeface="Courier New" panose="02070309020205020404" pitchFamily="49" charset="0"/>
+                <a:cs typeface="Courier New" panose="02070309020205020404" pitchFamily="49" charset="0"/>
+              </a:rPr>
+              <a:t>__str__()</a:t>
+            </a:r>
+          </a:p>
+          <a:p>
+            <a:pPr marL="171450" indent="-171450">
+              <a:buFontTx/>
+              <a:buChar char="-"/>
+            </a:pPr>
+            <a:r>
+              <a:rPr kumimoji="1" lang="en-US" altLang="zh-TW" sz="1400" dirty="0">
+                <a:solidFill>
+                  <a:schemeClr val="bg1"/>
+                </a:solidFill>
+                <a:latin typeface="Courier New" panose="02070309020205020404" pitchFamily="49" charset="0"/>
+                <a:cs typeface="Courier New" panose="02070309020205020404" pitchFamily="49" charset="0"/>
+              </a:rPr>
+              <a:t>__</a:t>
+            </a:r>
+            <a:r>
+              <a:rPr kumimoji="1" lang="en-US" altLang="zh-TW" sz="1400" dirty="0" err="1">
+                <a:solidFill>
+                  <a:schemeClr val="bg1"/>
+                </a:solidFill>
+                <a:latin typeface="Courier New" panose="02070309020205020404" pitchFamily="49" charset="0"/>
+                <a:cs typeface="Courier New" panose="02070309020205020404" pitchFamily="49" charset="0"/>
+              </a:rPr>
+              <a:t>repr</a:t>
+            </a:r>
+            <a:r>
+              <a:rPr kumimoji="1" lang="en-US" altLang="zh-TW" sz="1400" dirty="0">
+                <a:solidFill>
+                  <a:schemeClr val="bg1"/>
+                </a:solidFill>
+                <a:latin typeface="Courier New" panose="02070309020205020404" pitchFamily="49" charset="0"/>
+                <a:cs typeface="Courier New" panose="02070309020205020404" pitchFamily="49" charset="0"/>
+              </a:rPr>
+              <a:t>__()</a:t>
+            </a:r>
+          </a:p>
+          <a:p>
+            <a:pPr marL="171450" indent="-171450">
+              <a:buFontTx/>
+              <a:buChar char="-"/>
+            </a:pPr>
+            <a:r>
+              <a:rPr kumimoji="1" lang="en-US" altLang="zh-TW" sz="1400" dirty="0">
+                <a:latin typeface="Courier New" panose="02070309020205020404" pitchFamily="49" charset="0"/>
+                <a:cs typeface="Courier New" panose="02070309020205020404" pitchFamily="49" charset="0"/>
+              </a:rPr>
+              <a:t>traverse()</a:t>
+            </a:r>
+            <a:endParaRPr kumimoji="1" lang="zh-TW" altLang="en-US" sz="1400" dirty="0">
+              <a:latin typeface="Courier New" panose="02070309020205020404" pitchFamily="49" charset="0"/>
+              <a:cs typeface="Courier New" panose="02070309020205020404" pitchFamily="49" charset="0"/>
+            </a:endParaRPr>
+          </a:p>
+        </p:txBody>
+      </p:sp>
+      <p:sp>
+        <p:nvSpPr>
+          <p:cNvPr id="10" name="文字方塊 9">
+            <a:extLst>
+              <a:ext uri="{FF2B5EF4-FFF2-40B4-BE49-F238E27FC236}">
+                <a16:creationId xmlns:a16="http://schemas.microsoft.com/office/drawing/2014/main" id="{98B8DAD6-A29F-99D2-4C68-4D5FD198DA87}"/>
+              </a:ext>
+            </a:extLst>
+          </p:cNvPr>
+          <p:cNvSpPr txBox="1"/>
+          <p:nvPr/>
+        </p:nvSpPr>
+        <p:spPr>
+          <a:xfrm>
+            <a:off x="5409449" y="979187"/>
+            <a:ext cx="1359110" cy="738664"/>
+          </a:xfrm>
+          <a:prstGeom prst="rect">
+            <a:avLst/>
+          </a:prstGeom>
+          <a:noFill/>
+        </p:spPr>
+        <p:txBody>
+          <a:bodyPr wrap="square">
+            <a:spAutoFit/>
+          </a:bodyPr>
+          <a:lstStyle/>
+          <a:p>
+            <a:r>
+              <a:rPr kumimoji="1" lang="en-US" altLang="zh-TW" sz="1400" dirty="0">
+                <a:latin typeface="Courier New" panose="02070309020205020404" pitchFamily="49" charset="0"/>
+                <a:cs typeface="Courier New" panose="02070309020205020404" pitchFamily="49" charset="0"/>
+              </a:rPr>
+              <a:t>.data</a:t>
+            </a:r>
+          </a:p>
+          <a:p>
+            <a:r>
+              <a:rPr kumimoji="1" lang="en-US" altLang="zh-TW" sz="1400" dirty="0">
+                <a:latin typeface="Courier New" panose="02070309020205020404" pitchFamily="49" charset="0"/>
+                <a:cs typeface="Courier New" panose="02070309020205020404" pitchFamily="49" charset="0"/>
+              </a:rPr>
+              <a:t>.next</a:t>
+            </a:r>
+          </a:p>
+          <a:p>
+            <a:r>
+              <a:rPr kumimoji="1" lang="en-US" altLang="zh-TW" sz="1400" dirty="0" err="1">
+                <a:latin typeface="Courier New" panose="02070309020205020404" pitchFamily="49" charset="0"/>
+                <a:cs typeface="Courier New" panose="02070309020205020404" pitchFamily="49" charset="0"/>
+              </a:rPr>
+              <a:t>has_next</a:t>
+            </a:r>
+            <a:r>
+              <a:rPr kumimoji="1" lang="en-US" altLang="zh-TW" sz="1400" dirty="0">
+                <a:latin typeface="Courier New" panose="02070309020205020404" pitchFamily="49" charset="0"/>
+                <a:cs typeface="Courier New" panose="02070309020205020404" pitchFamily="49" charset="0"/>
+              </a:rPr>
+              <a:t>()</a:t>
+            </a:r>
+            <a:endParaRPr kumimoji="1" lang="zh-TW" altLang="en-US" sz="1400" dirty="0">
+              <a:latin typeface="Courier New" panose="02070309020205020404" pitchFamily="49" charset="0"/>
+              <a:cs typeface="Courier New" panose="02070309020205020404" pitchFamily="49" charset="0"/>
+            </a:endParaRPr>
+          </a:p>
+        </p:txBody>
+      </p:sp>
       <p:grpSp>
         <p:nvGrpSpPr>
-          <p:cNvPr id="3" name="群組 2">
-            <a:extLst>
-              <a:ext uri="{FF2B5EF4-FFF2-40B4-BE49-F238E27FC236}">
-                <a16:creationId xmlns:a16="http://schemas.microsoft.com/office/drawing/2014/main" id="{4D72E583-1102-74F2-8F4B-74BEF2A102D3}"/>
+          <p:cNvPr id="25" name="群組 24">
+            <a:extLst>
+              <a:ext uri="{FF2B5EF4-FFF2-40B4-BE49-F238E27FC236}">
+                <a16:creationId xmlns:a16="http://schemas.microsoft.com/office/drawing/2014/main" id="{5081C212-4B76-3F20-3B7A-7615CC9575DE}"/>
               </a:ext>
             </a:extLst>
           </p:cNvPr>
@@ -3340,18 +3744,18 @@
         </p:nvGrpSpPr>
         <p:grpSpPr>
           <a:xfrm>
-            <a:off x="685682" y="684473"/>
-            <a:ext cx="6316194" cy="4626978"/>
-            <a:chOff x="685682" y="684473"/>
-            <a:chExt cx="6316194" cy="4626978"/>
+            <a:off x="774501" y="1448312"/>
+            <a:ext cx="1514950" cy="499817"/>
+            <a:chOff x="8215108" y="2380771"/>
+            <a:chExt cx="1514950" cy="499817"/>
           </a:xfrm>
         </p:grpSpPr>
         <p:sp>
           <p:nvSpPr>
-            <p:cNvPr id="4" name="矩形 3">
+            <p:cNvPr id="23" name="向右箭號 22">
               <a:extLst>
                 <a:ext uri="{FF2B5EF4-FFF2-40B4-BE49-F238E27FC236}">
-                  <a16:creationId xmlns:a16="http://schemas.microsoft.com/office/drawing/2014/main" id="{A843311B-F758-437D-7E41-2DB1ADE15C31}"/>
+                  <a16:creationId xmlns:a16="http://schemas.microsoft.com/office/drawing/2014/main" id="{5F866B30-F7CD-06C2-C06D-CE8DF48C12D5}"/>
                 </a:ext>
               </a:extLst>
             </p:cNvPr>
@@ -3360,206 +3764,8 @@
           </p:nvSpPr>
           <p:spPr>
             <a:xfrm>
-              <a:off x="2336888" y="684473"/>
-              <a:ext cx="3062124" cy="2131879"/>
-            </a:xfrm>
-            <a:prstGeom prst="rect">
-              <a:avLst/>
-            </a:prstGeom>
-            <a:solidFill>
-              <a:schemeClr val="accent2">
-                <a:lumMod val="40000"/>
-                <a:lumOff val="60000"/>
-              </a:schemeClr>
-            </a:solidFill>
-          </p:spPr>
-          <p:style>
-            <a:lnRef idx="2">
-              <a:schemeClr val="accent1">
-                <a:shade val="15000"/>
-              </a:schemeClr>
-            </a:lnRef>
-            <a:fillRef idx="1">
-              <a:schemeClr val="accent1"/>
-            </a:fillRef>
-            <a:effectRef idx="0">
-              <a:schemeClr val="accent1"/>
-            </a:effectRef>
-            <a:fontRef idx="minor">
-              <a:schemeClr val="lt1"/>
-            </a:fontRef>
-          </p:style>
-          <p:txBody>
-            <a:bodyPr rtlCol="0" anchor="ctr"/>
-            <a:lstStyle/>
-            <a:p>
-              <a:pPr algn="ctr">
-                <a:lnSpc>
-                  <a:spcPct val="150000"/>
-                </a:lnSpc>
-              </a:pPr>
-              <a:r>
-                <a:rPr kumimoji="1" lang="en-US" altLang="zh-TW" sz="1600" b="1" dirty="0" err="1">
-                  <a:solidFill>
-                    <a:schemeClr val="tx1"/>
-                  </a:solidFill>
-                  <a:latin typeface="Courier New" panose="02070309020205020404" pitchFamily="49" charset="0"/>
-                  <a:cs typeface="Courier New" panose="02070309020205020404" pitchFamily="49" charset="0"/>
-                </a:rPr>
-                <a:t>UnsortedStaticArray</a:t>
-              </a:r>
-              <a:endParaRPr kumimoji="1" lang="en-US" altLang="zh-TW" sz="1600" b="1" dirty="0">
-                <a:solidFill>
-                  <a:schemeClr val="tx1"/>
-                </a:solidFill>
-                <a:latin typeface="Courier New" panose="02070309020205020404" pitchFamily="49" charset="0"/>
-                <a:cs typeface="Courier New" panose="02070309020205020404" pitchFamily="49" charset="0"/>
-              </a:endParaRPr>
-            </a:p>
-            <a:p>
-              <a:pPr>
-                <a:lnSpc>
-                  <a:spcPct val="150000"/>
-                </a:lnSpc>
-              </a:pPr>
-              <a:r>
-                <a:rPr kumimoji="1" lang="en-US" altLang="zh-TW" sz="1400" dirty="0">
-                  <a:solidFill>
-                    <a:schemeClr val="tx1"/>
-                  </a:solidFill>
-                  <a:latin typeface="Courier New" panose="02070309020205020404" pitchFamily="49" charset="0"/>
-                  <a:cs typeface="Courier New" panose="02070309020205020404" pitchFamily="49" charset="0"/>
-                </a:rPr>
-                <a:t>Attribute</a:t>
-              </a:r>
-            </a:p>
-            <a:p>
-              <a:pPr>
-                <a:lnSpc>
-                  <a:spcPct val="150000"/>
-                </a:lnSpc>
-              </a:pPr>
-              <a:r>
-                <a:rPr kumimoji="1" lang="en-US" altLang="zh-TW" sz="1400" dirty="0">
-                  <a:solidFill>
-                    <a:schemeClr val="tx1"/>
-                  </a:solidFill>
-                  <a:latin typeface="Courier New" panose="02070309020205020404" pitchFamily="49" charset="0"/>
-                  <a:cs typeface="Courier New" panose="02070309020205020404" pitchFamily="49" charset="0"/>
-                </a:rPr>
-                <a:t>- </a:t>
-              </a:r>
-              <a:r>
-                <a:rPr kumimoji="1" lang="en-US" altLang="zh-TW" sz="1400" dirty="0" err="1">
-                  <a:solidFill>
-                    <a:schemeClr val="tx1"/>
-                  </a:solidFill>
-                  <a:latin typeface="Courier New" panose="02070309020205020404" pitchFamily="49" charset="0"/>
-                  <a:cs typeface="Courier New" panose="02070309020205020404" pitchFamily="49" charset="0"/>
-                </a:rPr>
-                <a:t>typecode</a:t>
-              </a:r>
-              <a:endParaRPr kumimoji="1" lang="en-US" altLang="zh-TW" sz="1400" dirty="0">
-                <a:solidFill>
-                  <a:schemeClr val="tx1"/>
-                </a:solidFill>
-                <a:latin typeface="Courier New" panose="02070309020205020404" pitchFamily="49" charset="0"/>
-                <a:cs typeface="Courier New" panose="02070309020205020404" pitchFamily="49" charset="0"/>
-              </a:endParaRPr>
-            </a:p>
-            <a:p>
-              <a:pPr>
-                <a:lnSpc>
-                  <a:spcPct val="150000"/>
-                </a:lnSpc>
-              </a:pPr>
-              <a:r>
-                <a:rPr kumimoji="1" lang="en-US" altLang="zh-TW" sz="1400" dirty="0">
-                  <a:solidFill>
-                    <a:schemeClr val="tx1"/>
-                  </a:solidFill>
-                  <a:latin typeface="Courier New" panose="02070309020205020404" pitchFamily="49" charset="0"/>
-                  <a:cs typeface="Courier New" panose="02070309020205020404" pitchFamily="49" charset="0"/>
-                </a:rPr>
-                <a:t>- </a:t>
-              </a:r>
-              <a:r>
-                <a:rPr kumimoji="1" lang="en-US" altLang="zh-TW" sz="1400" dirty="0" err="1">
-                  <a:solidFill>
-                    <a:schemeClr val="tx1"/>
-                  </a:solidFill>
-                  <a:latin typeface="Courier New" panose="02070309020205020404" pitchFamily="49" charset="0"/>
-                  <a:cs typeface="Courier New" panose="02070309020205020404" pitchFamily="49" charset="0"/>
-                </a:rPr>
-                <a:t>max_size</a:t>
-              </a:r>
-              <a:endParaRPr kumimoji="1" lang="en-US" altLang="zh-TW" sz="1400" dirty="0">
-                <a:solidFill>
-                  <a:schemeClr val="tx1"/>
-                </a:solidFill>
-                <a:latin typeface="Courier New" panose="02070309020205020404" pitchFamily="49" charset="0"/>
-                <a:cs typeface="Courier New" panose="02070309020205020404" pitchFamily="49" charset="0"/>
-              </a:endParaRPr>
-            </a:p>
-            <a:p>
-              <a:pPr>
-                <a:lnSpc>
-                  <a:spcPct val="150000"/>
-                </a:lnSpc>
-              </a:pPr>
-              <a:r>
-                <a:rPr kumimoji="1" lang="en-US" altLang="zh-TW" sz="1400" dirty="0">
-                  <a:solidFill>
-                    <a:schemeClr val="tx1"/>
-                  </a:solidFill>
-                  <a:latin typeface="Courier New" panose="02070309020205020404" pitchFamily="49" charset="0"/>
-                  <a:cs typeface="Courier New" panose="02070309020205020404" pitchFamily="49" charset="0"/>
-                </a:rPr>
-                <a:t>- size</a:t>
-              </a:r>
-            </a:p>
-            <a:p>
-              <a:pPr>
-                <a:lnSpc>
-                  <a:spcPct val="150000"/>
-                </a:lnSpc>
-              </a:pPr>
-              <a:r>
-                <a:rPr kumimoji="1" lang="en-US" altLang="zh-TW" sz="1400" dirty="0">
-                  <a:solidFill>
-                    <a:schemeClr val="tx1"/>
-                  </a:solidFill>
-                  <a:latin typeface="Courier New" panose="02070309020205020404" pitchFamily="49" charset="0"/>
-                  <a:cs typeface="Courier New" panose="02070309020205020404" pitchFamily="49" charset="0"/>
-                </a:rPr>
-                <a:t>- array</a:t>
-              </a:r>
-              <a:endParaRPr kumimoji="1" lang="zh-TW" altLang="en-US" sz="1400" dirty="0">
-                <a:solidFill>
-                  <a:schemeClr val="tx1"/>
-                </a:solidFill>
-                <a:latin typeface="Courier New" panose="02070309020205020404" pitchFamily="49" charset="0"/>
-                <a:cs typeface="Courier New" panose="02070309020205020404" pitchFamily="49" charset="0"/>
-              </a:endParaRPr>
-            </a:p>
-          </p:txBody>
-        </p:sp>
-        <p:sp>
-          <p:nvSpPr>
-            <p:cNvPr id="16" name="向右箭號 15">
-              <a:extLst>
-                <a:ext uri="{FF2B5EF4-FFF2-40B4-BE49-F238E27FC236}">
-                  <a16:creationId xmlns:a16="http://schemas.microsoft.com/office/drawing/2014/main" id="{DF9E6911-4F9D-1E02-1FD8-B7C841B65316}"/>
-                </a:ext>
-              </a:extLst>
-            </p:cNvPr>
-            <p:cNvSpPr/>
-            <p:nvPr/>
-          </p:nvSpPr>
-          <p:spPr>
-            <a:xfrm>
-              <a:off x="685682" y="1434365"/>
-              <a:ext cx="1548000" cy="540000"/>
+              <a:off x="8290058" y="2628588"/>
+              <a:ext cx="1440000" cy="252000"/>
             </a:xfrm>
             <a:prstGeom prst="rightArrow">
               <a:avLst/>
@@ -3586,27 +3792,6 @@
             <a:lstStyle/>
             <a:p>
               <a:pPr algn="ctr"/>
-              <a:r>
-                <a:rPr kumimoji="1" lang="en-US" altLang="zh-TW" sz="1400" dirty="0">
-                  <a:latin typeface="Courier New" panose="02070309020205020404" pitchFamily="49" charset="0"/>
-                  <a:cs typeface="Courier New" panose="02070309020205020404" pitchFamily="49" charset="0"/>
-                </a:rPr>
-                <a:t>insert(</a:t>
-              </a:r>
-              <a:r>
-                <a:rPr kumimoji="1" lang="en-US" altLang="zh-TW" sz="1400" dirty="0" err="1">
-                  <a:latin typeface="Courier New" panose="02070309020205020404" pitchFamily="49" charset="0"/>
-                  <a:cs typeface="Courier New" panose="02070309020205020404" pitchFamily="49" charset="0"/>
-                </a:rPr>
-                <a:t>val</a:t>
-              </a:r>
-              <a:r>
-                <a:rPr kumimoji="1" lang="en-US" altLang="zh-TW" sz="1400" dirty="0">
-                  <a:latin typeface="Courier New" panose="02070309020205020404" pitchFamily="49" charset="0"/>
-                  <a:cs typeface="Courier New" panose="02070309020205020404" pitchFamily="49" charset="0"/>
-                </a:rPr>
-                <a:t>)</a:t>
-              </a:r>
               <a:endParaRPr kumimoji="1" lang="zh-TW" altLang="en-US" sz="1400" dirty="0">
                 <a:latin typeface="Courier New" panose="02070309020205020404" pitchFamily="49" charset="0"/>
                 <a:cs typeface="Courier New" panose="02070309020205020404" pitchFamily="49" charset="0"/>
@@ -3616,478 +3801,43 @@
         </p:sp>
         <p:sp>
           <p:nvSpPr>
-            <p:cNvPr id="17" name="向右箭號 16">
+            <p:cNvPr id="24" name="文字方塊 23">
               <a:extLst>
                 <a:ext uri="{FF2B5EF4-FFF2-40B4-BE49-F238E27FC236}">
-                  <a16:creationId xmlns:a16="http://schemas.microsoft.com/office/drawing/2014/main" id="{8145DE03-A25D-9335-7EA8-BE1FB4601920}"/>
+                  <a16:creationId xmlns:a16="http://schemas.microsoft.com/office/drawing/2014/main" id="{A93E15F7-2AEC-001A-0AEB-7B04D1566461}"/>
                 </a:ext>
               </a:extLst>
             </p:cNvPr>
-            <p:cNvSpPr/>
+            <p:cNvSpPr txBox="1"/>
             <p:nvPr/>
           </p:nvSpPr>
           <p:spPr>
             <a:xfrm>
-              <a:off x="5453876" y="938811"/>
-              <a:ext cx="1548000" cy="540000"/>
+              <a:off x="8215108" y="2380771"/>
+              <a:ext cx="1359110" cy="307777"/>
             </a:xfrm>
-            <a:prstGeom prst="rightArrow">
+            <a:prstGeom prst="rect">
               <a:avLst/>
             </a:prstGeom>
+            <a:noFill/>
           </p:spPr>
-          <p:style>
-            <a:lnRef idx="2">
-              <a:schemeClr val="accent1">
-                <a:shade val="15000"/>
-              </a:schemeClr>
-            </a:lnRef>
-            <a:fillRef idx="1">
-              <a:schemeClr val="accent1"/>
-            </a:fillRef>
-            <a:effectRef idx="0">
-              <a:schemeClr val="accent1"/>
-            </a:effectRef>
-            <a:fontRef idx="minor">
-              <a:schemeClr val="lt1"/>
-            </a:fontRef>
-          </p:style>
           <p:txBody>
-            <a:bodyPr rtlCol="0" anchor="ctr"/>
+            <a:bodyPr wrap="square">
+              <a:spAutoFit/>
+            </a:bodyPr>
             <a:lstStyle/>
             <a:p>
-              <a:pPr algn="ctr"/>
               <a:r>
                 <a:rPr kumimoji="1" lang="en-US" altLang="zh-TW" sz="1400" dirty="0">
                   <a:latin typeface="Courier New" panose="02070309020205020404" pitchFamily="49" charset="0"/>
                   <a:cs typeface="Courier New" panose="02070309020205020404" pitchFamily="49" charset="0"/>
                 </a:rPr>
-                <a:t>delete(</a:t>
-              </a:r>
-              <a:r>
-                <a:rPr kumimoji="1" lang="en-US" altLang="zh-TW" sz="1400" dirty="0" err="1">
-                  <a:latin typeface="Courier New" panose="02070309020205020404" pitchFamily="49" charset="0"/>
-                  <a:cs typeface="Courier New" panose="02070309020205020404" pitchFamily="49" charset="0"/>
-                </a:rPr>
-                <a:t>idx</a:t>
-              </a:r>
-              <a:r>
-                <a:rPr kumimoji="1" lang="en-US" altLang="zh-TW" sz="1400" dirty="0">
-                  <a:latin typeface="Courier New" panose="02070309020205020404" pitchFamily="49" charset="0"/>
-                  <a:cs typeface="Courier New" panose="02070309020205020404" pitchFamily="49" charset="0"/>
-                </a:rPr>
-                <a:t>)</a:t>
+                <a:t>append()</a:t>
               </a:r>
               <a:endParaRPr kumimoji="1" lang="zh-TW" altLang="en-US" sz="1400" dirty="0">
                 <a:latin typeface="Courier New" panose="02070309020205020404" pitchFamily="49" charset="0"/>
                 <a:cs typeface="Courier New" panose="02070309020205020404" pitchFamily="49" charset="0"/>
               </a:endParaRPr>
-            </a:p>
-          </p:txBody>
-        </p:sp>
-        <p:sp>
-          <p:nvSpPr>
-            <p:cNvPr id="18" name="向右箭號 17">
-              <a:extLst>
-                <a:ext uri="{FF2B5EF4-FFF2-40B4-BE49-F238E27FC236}">
-                  <a16:creationId xmlns:a16="http://schemas.microsoft.com/office/drawing/2014/main" id="{CC112582-D504-3E51-1A49-6B44BCB633C8}"/>
-                </a:ext>
-              </a:extLst>
-            </p:cNvPr>
-            <p:cNvSpPr/>
-            <p:nvPr/>
-          </p:nvSpPr>
-          <p:spPr>
-            <a:xfrm>
-              <a:off x="5453876" y="1457089"/>
-              <a:ext cx="1548000" cy="540000"/>
-            </a:xfrm>
-            <a:prstGeom prst="rightArrow">
-              <a:avLst/>
-            </a:prstGeom>
-          </p:spPr>
-          <p:style>
-            <a:lnRef idx="2">
-              <a:schemeClr val="accent1">
-                <a:shade val="15000"/>
-              </a:schemeClr>
-            </a:lnRef>
-            <a:fillRef idx="1">
-              <a:schemeClr val="accent1"/>
-            </a:fillRef>
-            <a:effectRef idx="0">
-              <a:schemeClr val="accent1"/>
-            </a:effectRef>
-            <a:fontRef idx="minor">
-              <a:schemeClr val="lt1"/>
-            </a:fontRef>
-          </p:style>
-          <p:txBody>
-            <a:bodyPr rtlCol="0" anchor="ctr"/>
-            <a:lstStyle/>
-            <a:p>
-              <a:pPr algn="ctr"/>
-              <a:r>
-                <a:rPr kumimoji="1" lang="en-US" altLang="zh-TW" sz="1400" dirty="0">
-                  <a:latin typeface="Courier New" panose="02070309020205020404" pitchFamily="49" charset="0"/>
-                  <a:cs typeface="Courier New" panose="02070309020205020404" pitchFamily="49" charset="0"/>
-                </a:rPr>
-                <a:t>find(</a:t>
-              </a:r>
-              <a:r>
-                <a:rPr kumimoji="1" lang="en-US" altLang="zh-TW" sz="1400" dirty="0" err="1">
-                  <a:latin typeface="Courier New" panose="02070309020205020404" pitchFamily="49" charset="0"/>
-                  <a:cs typeface="Courier New" panose="02070309020205020404" pitchFamily="49" charset="0"/>
-                </a:rPr>
-                <a:t>val</a:t>
-              </a:r>
-              <a:r>
-                <a:rPr kumimoji="1" lang="en-US" altLang="zh-TW" sz="1400" dirty="0">
-                  <a:latin typeface="Courier New" panose="02070309020205020404" pitchFamily="49" charset="0"/>
-                  <a:cs typeface="Courier New" panose="02070309020205020404" pitchFamily="49" charset="0"/>
-                </a:rPr>
-                <a:t>)</a:t>
-              </a:r>
-              <a:endParaRPr kumimoji="1" lang="zh-TW" altLang="en-US" sz="1400" dirty="0">
-                <a:latin typeface="Courier New" panose="02070309020205020404" pitchFamily="49" charset="0"/>
-                <a:cs typeface="Courier New" panose="02070309020205020404" pitchFamily="49" charset="0"/>
-              </a:endParaRPr>
-            </a:p>
-          </p:txBody>
-        </p:sp>
-        <p:sp>
-          <p:nvSpPr>
-            <p:cNvPr id="19" name="向右箭號 18">
-              <a:extLst>
-                <a:ext uri="{FF2B5EF4-FFF2-40B4-BE49-F238E27FC236}">
-                  <a16:creationId xmlns:a16="http://schemas.microsoft.com/office/drawing/2014/main" id="{98852B0A-32FF-3D64-2D36-1DC77C61D76C}"/>
-                </a:ext>
-              </a:extLst>
-            </p:cNvPr>
-            <p:cNvSpPr/>
-            <p:nvPr/>
-          </p:nvSpPr>
-          <p:spPr>
-            <a:xfrm>
-              <a:off x="5453876" y="1975367"/>
-              <a:ext cx="1548000" cy="540000"/>
-            </a:xfrm>
-            <a:prstGeom prst="rightArrow">
-              <a:avLst/>
-            </a:prstGeom>
-          </p:spPr>
-          <p:style>
-            <a:lnRef idx="2">
-              <a:schemeClr val="accent1">
-                <a:shade val="15000"/>
-              </a:schemeClr>
-            </a:lnRef>
-            <a:fillRef idx="1">
-              <a:schemeClr val="accent1"/>
-            </a:fillRef>
-            <a:effectRef idx="0">
-              <a:schemeClr val="accent1"/>
-            </a:effectRef>
-            <a:fontRef idx="minor">
-              <a:schemeClr val="lt1"/>
-            </a:fontRef>
-          </p:style>
-          <p:txBody>
-            <a:bodyPr rtlCol="0" anchor="ctr"/>
-            <a:lstStyle/>
-            <a:p>
-              <a:pPr algn="ctr"/>
-              <a:r>
-                <a:rPr kumimoji="1" lang="en-US" altLang="zh-TW" sz="1400" dirty="0">
-                  <a:latin typeface="Courier New" panose="02070309020205020404" pitchFamily="49" charset="0"/>
-                  <a:cs typeface="Courier New" panose="02070309020205020404" pitchFamily="49" charset="0"/>
-                </a:rPr>
-                <a:t>traverse()</a:t>
-              </a:r>
-              <a:endParaRPr kumimoji="1" lang="zh-TW" altLang="en-US" sz="1400" dirty="0">
-                <a:latin typeface="Courier New" panose="02070309020205020404" pitchFamily="49" charset="0"/>
-                <a:cs typeface="Courier New" panose="02070309020205020404" pitchFamily="49" charset="0"/>
-              </a:endParaRPr>
-            </a:p>
-          </p:txBody>
-        </p:sp>
-        <p:sp>
-          <p:nvSpPr>
-            <p:cNvPr id="2" name="矩形 1">
-              <a:extLst>
-                <a:ext uri="{FF2B5EF4-FFF2-40B4-BE49-F238E27FC236}">
-                  <a16:creationId xmlns:a16="http://schemas.microsoft.com/office/drawing/2014/main" id="{F5E08F4C-B6D2-F367-EB68-3A04DFC13614}"/>
-                </a:ext>
-              </a:extLst>
-            </p:cNvPr>
-            <p:cNvSpPr/>
-            <p:nvPr/>
-          </p:nvSpPr>
-          <p:spPr>
-            <a:xfrm>
-              <a:off x="2336888" y="2904391"/>
-              <a:ext cx="3062124" cy="2407060"/>
-            </a:xfrm>
-            <a:prstGeom prst="rect">
-              <a:avLst/>
-            </a:prstGeom>
-            <a:solidFill>
-              <a:schemeClr val="accent1"/>
-            </a:solidFill>
-          </p:spPr>
-          <p:style>
-            <a:lnRef idx="2">
-              <a:schemeClr val="accent1">
-                <a:shade val="15000"/>
-              </a:schemeClr>
-            </a:lnRef>
-            <a:fillRef idx="1">
-              <a:schemeClr val="accent1"/>
-            </a:fillRef>
-            <a:effectRef idx="0">
-              <a:schemeClr val="accent1"/>
-            </a:effectRef>
-            <a:fontRef idx="minor">
-              <a:schemeClr val="lt1"/>
-            </a:fontRef>
-          </p:style>
-          <p:txBody>
-            <a:bodyPr rtlCol="0" anchor="ctr"/>
-            <a:lstStyle/>
-            <a:p>
-              <a:pPr algn="ctr">
-                <a:lnSpc>
-                  <a:spcPct val="150000"/>
-                </a:lnSpc>
-              </a:pPr>
-              <a:r>
-                <a:rPr kumimoji="1" lang="en-US" altLang="zh-TW" sz="1600" b="1" dirty="0">
-                  <a:solidFill>
-                    <a:schemeClr val="bg1"/>
-                  </a:solidFill>
-                  <a:latin typeface="Courier New" panose="02070309020205020404" pitchFamily="49" charset="0"/>
-                  <a:cs typeface="Courier New" panose="02070309020205020404" pitchFamily="49" charset="0"/>
-                </a:rPr>
-                <a:t>Helper Function</a:t>
-              </a:r>
-              <a:endParaRPr kumimoji="1" lang="en-US" altLang="zh-TW" sz="1400" dirty="0">
-                <a:solidFill>
-                  <a:schemeClr val="bg1"/>
-                </a:solidFill>
-              </a:endParaRPr>
-            </a:p>
-            <a:p>
-              <a:pPr marL="171450" indent="-171450">
-                <a:lnSpc>
-                  <a:spcPct val="150000"/>
-                </a:lnSpc>
-                <a:buFontTx/>
-                <a:buChar char="-"/>
-              </a:pPr>
-              <a:r>
-                <a:rPr kumimoji="1" lang="en-US" altLang="zh-TW" sz="1400" dirty="0">
-                  <a:solidFill>
-                    <a:schemeClr val="bg1"/>
-                  </a:solidFill>
-                  <a:latin typeface="Courier New" panose="02070309020205020404" pitchFamily="49" charset="0"/>
-                  <a:cs typeface="Courier New" panose="02070309020205020404" pitchFamily="49" charset="0"/>
-                </a:rPr>
-                <a:t>__</a:t>
-              </a:r>
-              <a:r>
-                <a:rPr kumimoji="1" lang="en-US" altLang="zh-TW" sz="1400" dirty="0" err="1">
-                  <a:solidFill>
-                    <a:schemeClr val="bg1"/>
-                  </a:solidFill>
-                  <a:latin typeface="Courier New" panose="02070309020205020404" pitchFamily="49" charset="0"/>
-                  <a:cs typeface="Courier New" panose="02070309020205020404" pitchFamily="49" charset="0"/>
-                </a:rPr>
-                <a:t>init</a:t>
-              </a:r>
-              <a:r>
-                <a:rPr kumimoji="1" lang="en-US" altLang="zh-TW" sz="1400" dirty="0">
-                  <a:solidFill>
-                    <a:schemeClr val="bg1"/>
-                  </a:solidFill>
-                  <a:latin typeface="Courier New" panose="02070309020205020404" pitchFamily="49" charset="0"/>
-                  <a:cs typeface="Courier New" panose="02070309020205020404" pitchFamily="49" charset="0"/>
-                </a:rPr>
-                <a:t>__()</a:t>
-              </a:r>
-            </a:p>
-            <a:p>
-              <a:pPr marL="171450" indent="-171450">
-                <a:lnSpc>
-                  <a:spcPct val="150000"/>
-                </a:lnSpc>
-                <a:buFontTx/>
-                <a:buChar char="-"/>
-              </a:pPr>
-              <a:r>
-                <a:rPr kumimoji="1" lang="en-US" altLang="zh-TW" sz="1400" dirty="0">
-                  <a:solidFill>
-                    <a:schemeClr val="bg1"/>
-                  </a:solidFill>
-                  <a:latin typeface="Courier New" panose="02070309020205020404" pitchFamily="49" charset="0"/>
-                  <a:cs typeface="Courier New" panose="02070309020205020404" pitchFamily="49" charset="0"/>
-                </a:rPr>
-                <a:t>__</a:t>
-              </a:r>
-              <a:r>
-                <a:rPr kumimoji="1" lang="en-US" altLang="zh-TW" sz="1400" dirty="0" err="1">
-                  <a:solidFill>
-                    <a:schemeClr val="bg1"/>
-                  </a:solidFill>
-                  <a:latin typeface="Courier New" panose="02070309020205020404" pitchFamily="49" charset="0"/>
-                  <a:cs typeface="Courier New" panose="02070309020205020404" pitchFamily="49" charset="0"/>
-                </a:rPr>
-                <a:t>len</a:t>
-              </a:r>
-              <a:r>
-                <a:rPr kumimoji="1" lang="en-US" altLang="zh-TW" sz="1400" dirty="0">
-                  <a:solidFill>
-                    <a:schemeClr val="bg1"/>
-                  </a:solidFill>
-                  <a:latin typeface="Courier New" panose="02070309020205020404" pitchFamily="49" charset="0"/>
-                  <a:cs typeface="Courier New" panose="02070309020205020404" pitchFamily="49" charset="0"/>
-                </a:rPr>
-                <a:t>__()</a:t>
-              </a:r>
-            </a:p>
-            <a:p>
-              <a:pPr marL="171450" indent="-171450">
-                <a:lnSpc>
-                  <a:spcPct val="150000"/>
-                </a:lnSpc>
-                <a:buFontTx/>
-                <a:buChar char="-"/>
-              </a:pPr>
-              <a:r>
-                <a:rPr kumimoji="1" lang="en-US" altLang="zh-TW" sz="1400" dirty="0">
-                  <a:solidFill>
-                    <a:schemeClr val="bg1"/>
-                  </a:solidFill>
-                  <a:latin typeface="Courier New" panose="02070309020205020404" pitchFamily="49" charset="0"/>
-                  <a:cs typeface="Courier New" panose="02070309020205020404" pitchFamily="49" charset="0"/>
-                </a:rPr>
-                <a:t>__</a:t>
-              </a:r>
-              <a:r>
-                <a:rPr kumimoji="1" lang="en-US" altLang="zh-TW" sz="1400" dirty="0" err="1">
-                  <a:solidFill>
-                    <a:schemeClr val="bg1"/>
-                  </a:solidFill>
-                  <a:latin typeface="Courier New" panose="02070309020205020404" pitchFamily="49" charset="0"/>
-                  <a:cs typeface="Courier New" panose="02070309020205020404" pitchFamily="49" charset="0"/>
-                </a:rPr>
-                <a:t>getitem</a:t>
-              </a:r>
-              <a:r>
-                <a:rPr kumimoji="1" lang="en-US" altLang="zh-TW" sz="1400" dirty="0">
-                  <a:solidFill>
-                    <a:schemeClr val="bg1"/>
-                  </a:solidFill>
-                  <a:latin typeface="Courier New" panose="02070309020205020404" pitchFamily="49" charset="0"/>
-                  <a:cs typeface="Courier New" panose="02070309020205020404" pitchFamily="49" charset="0"/>
-                </a:rPr>
-                <a:t>__()</a:t>
-              </a:r>
-            </a:p>
-            <a:p>
-              <a:pPr marL="171450" indent="-171450">
-                <a:lnSpc>
-                  <a:spcPct val="150000"/>
-                </a:lnSpc>
-                <a:buFontTx/>
-                <a:buChar char="-"/>
-              </a:pPr>
-              <a:r>
-                <a:rPr kumimoji="1" lang="en-US" altLang="zh-TW" sz="1400" dirty="0">
-                  <a:solidFill>
-                    <a:schemeClr val="bg1"/>
-                  </a:solidFill>
-                  <a:latin typeface="Courier New" panose="02070309020205020404" pitchFamily="49" charset="0"/>
-                  <a:cs typeface="Courier New" panose="02070309020205020404" pitchFamily="49" charset="0"/>
-                </a:rPr>
-                <a:t>__</a:t>
-              </a:r>
-              <a:r>
-                <a:rPr kumimoji="1" lang="en-US" altLang="zh-TW" sz="1400" dirty="0" err="1">
-                  <a:solidFill>
-                    <a:schemeClr val="bg1"/>
-                  </a:solidFill>
-                  <a:latin typeface="Courier New" panose="02070309020205020404" pitchFamily="49" charset="0"/>
-                  <a:cs typeface="Courier New" panose="02070309020205020404" pitchFamily="49" charset="0"/>
-                </a:rPr>
-                <a:t>setitem</a:t>
-              </a:r>
-              <a:r>
-                <a:rPr kumimoji="1" lang="en-US" altLang="zh-TW" sz="1400" dirty="0">
-                  <a:solidFill>
-                    <a:schemeClr val="bg1"/>
-                  </a:solidFill>
-                  <a:latin typeface="Courier New" panose="02070309020205020404" pitchFamily="49" charset="0"/>
-                  <a:cs typeface="Courier New" panose="02070309020205020404" pitchFamily="49" charset="0"/>
-                </a:rPr>
-                <a:t>__()</a:t>
-              </a:r>
-            </a:p>
-            <a:p>
-              <a:pPr marL="171450" indent="-171450">
-                <a:lnSpc>
-                  <a:spcPct val="150000"/>
-                </a:lnSpc>
-                <a:buFontTx/>
-                <a:buChar char="-"/>
-              </a:pPr>
-              <a:r>
-                <a:rPr kumimoji="1" lang="en-US" altLang="zh-TW" sz="1400" dirty="0">
-                  <a:solidFill>
-                    <a:schemeClr val="bg1"/>
-                  </a:solidFill>
-                  <a:latin typeface="Courier New" panose="02070309020205020404" pitchFamily="49" charset="0"/>
-                  <a:cs typeface="Courier New" panose="02070309020205020404" pitchFamily="49" charset="0"/>
-                </a:rPr>
-                <a:t>__str__()</a:t>
-              </a:r>
-            </a:p>
-            <a:p>
-              <a:pPr marL="171450" indent="-171450">
-                <a:lnSpc>
-                  <a:spcPct val="150000"/>
-                </a:lnSpc>
-                <a:buFontTx/>
-                <a:buChar char="-"/>
-              </a:pPr>
-              <a:r>
-                <a:rPr kumimoji="1" lang="en-US" altLang="zh-TW" sz="1400" dirty="0">
-                  <a:solidFill>
-                    <a:schemeClr val="bg1"/>
-                  </a:solidFill>
-                  <a:latin typeface="Courier New" panose="02070309020205020404" pitchFamily="49" charset="0"/>
-                  <a:cs typeface="Courier New" panose="02070309020205020404" pitchFamily="49" charset="0"/>
-                </a:rPr>
-                <a:t>__</a:t>
-              </a:r>
-              <a:r>
-                <a:rPr kumimoji="1" lang="en-US" altLang="zh-TW" sz="1400" dirty="0" err="1">
-                  <a:solidFill>
-                    <a:schemeClr val="bg1"/>
-                  </a:solidFill>
-                  <a:latin typeface="Courier New" panose="02070309020205020404" pitchFamily="49" charset="0"/>
-                  <a:cs typeface="Courier New" panose="02070309020205020404" pitchFamily="49" charset="0"/>
-                </a:rPr>
-                <a:t>repr</a:t>
-              </a:r>
-              <a:r>
-                <a:rPr kumimoji="1" lang="en-US" altLang="zh-TW" sz="1400" dirty="0">
-                  <a:solidFill>
-                    <a:schemeClr val="bg1"/>
-                  </a:solidFill>
-                  <a:latin typeface="Courier New" panose="02070309020205020404" pitchFamily="49" charset="0"/>
-                  <a:cs typeface="Courier New" panose="02070309020205020404" pitchFamily="49" charset="0"/>
-                </a:rPr>
-                <a:t>__()</a:t>
-              </a:r>
             </a:p>
           </p:txBody>
         </p:sp>

--- a/asset/ppt/ch04.pptx
+++ b/asset/ppt/ch04.pptx
@@ -259,7 +259,7 @@
           <a:p>
             <a:fld id="{89851C12-1240-5B46-BD94-A3C3FBB79758}" type="datetimeFigureOut">
               <a:rPr kumimoji="1" lang="zh-TW" altLang="en-US" smtClean="0"/>
-              <a:t>2026/1/4</a:t>
+              <a:t>2026/1/16</a:t>
             </a:fld>
             <a:endParaRPr kumimoji="1" lang="zh-TW" altLang="en-US"/>
           </a:p>
@@ -457,7 +457,7 @@
           <a:p>
             <a:fld id="{89851C12-1240-5B46-BD94-A3C3FBB79758}" type="datetimeFigureOut">
               <a:rPr kumimoji="1" lang="zh-TW" altLang="en-US" smtClean="0"/>
-              <a:t>2026/1/4</a:t>
+              <a:t>2026/1/16</a:t>
             </a:fld>
             <a:endParaRPr kumimoji="1" lang="zh-TW" altLang="en-US"/>
           </a:p>
@@ -665,7 +665,7 @@
           <a:p>
             <a:fld id="{89851C12-1240-5B46-BD94-A3C3FBB79758}" type="datetimeFigureOut">
               <a:rPr kumimoji="1" lang="zh-TW" altLang="en-US" smtClean="0"/>
-              <a:t>2026/1/4</a:t>
+              <a:t>2026/1/16</a:t>
             </a:fld>
             <a:endParaRPr kumimoji="1" lang="zh-TW" altLang="en-US"/>
           </a:p>
@@ -863,7 +863,7 @@
           <a:p>
             <a:fld id="{89851C12-1240-5B46-BD94-A3C3FBB79758}" type="datetimeFigureOut">
               <a:rPr kumimoji="1" lang="zh-TW" altLang="en-US" smtClean="0"/>
-              <a:t>2026/1/4</a:t>
+              <a:t>2026/1/16</a:t>
             </a:fld>
             <a:endParaRPr kumimoji="1" lang="zh-TW" altLang="en-US"/>
           </a:p>
@@ -1138,7 +1138,7 @@
           <a:p>
             <a:fld id="{89851C12-1240-5B46-BD94-A3C3FBB79758}" type="datetimeFigureOut">
               <a:rPr kumimoji="1" lang="zh-TW" altLang="en-US" smtClean="0"/>
-              <a:t>2026/1/4</a:t>
+              <a:t>2026/1/16</a:t>
             </a:fld>
             <a:endParaRPr kumimoji="1" lang="zh-TW" altLang="en-US"/>
           </a:p>
@@ -1403,7 +1403,7 @@
           <a:p>
             <a:fld id="{89851C12-1240-5B46-BD94-A3C3FBB79758}" type="datetimeFigureOut">
               <a:rPr kumimoji="1" lang="zh-TW" altLang="en-US" smtClean="0"/>
-              <a:t>2026/1/4</a:t>
+              <a:t>2026/1/16</a:t>
             </a:fld>
             <a:endParaRPr kumimoji="1" lang="zh-TW" altLang="en-US"/>
           </a:p>
@@ -1815,7 +1815,7 @@
           <a:p>
             <a:fld id="{89851C12-1240-5B46-BD94-A3C3FBB79758}" type="datetimeFigureOut">
               <a:rPr kumimoji="1" lang="zh-TW" altLang="en-US" smtClean="0"/>
-              <a:t>2026/1/4</a:t>
+              <a:t>2026/1/16</a:t>
             </a:fld>
             <a:endParaRPr kumimoji="1" lang="zh-TW" altLang="en-US"/>
           </a:p>
@@ -1956,7 +1956,7 @@
           <a:p>
             <a:fld id="{89851C12-1240-5B46-BD94-A3C3FBB79758}" type="datetimeFigureOut">
               <a:rPr kumimoji="1" lang="zh-TW" altLang="en-US" smtClean="0"/>
-              <a:t>2026/1/4</a:t>
+              <a:t>2026/1/16</a:t>
             </a:fld>
             <a:endParaRPr kumimoji="1" lang="zh-TW" altLang="en-US"/>
           </a:p>
@@ -2069,7 +2069,7 @@
           <a:p>
             <a:fld id="{89851C12-1240-5B46-BD94-A3C3FBB79758}" type="datetimeFigureOut">
               <a:rPr kumimoji="1" lang="zh-TW" altLang="en-US" smtClean="0"/>
-              <a:t>2026/1/4</a:t>
+              <a:t>2026/1/16</a:t>
             </a:fld>
             <a:endParaRPr kumimoji="1" lang="zh-TW" altLang="en-US"/>
           </a:p>
@@ -2380,7 +2380,7 @@
           <a:p>
             <a:fld id="{89851C12-1240-5B46-BD94-A3C3FBB79758}" type="datetimeFigureOut">
               <a:rPr kumimoji="1" lang="zh-TW" altLang="en-US" smtClean="0"/>
-              <a:t>2026/1/4</a:t>
+              <a:t>2026/1/16</a:t>
             </a:fld>
             <a:endParaRPr kumimoji="1" lang="zh-TW" altLang="en-US"/>
           </a:p>
@@ -2668,7 +2668,7 @@
           <a:p>
             <a:fld id="{89851C12-1240-5B46-BD94-A3C3FBB79758}" type="datetimeFigureOut">
               <a:rPr kumimoji="1" lang="zh-TW" altLang="en-US" smtClean="0"/>
-              <a:t>2026/1/4</a:t>
+              <a:t>2026/1/16</a:t>
             </a:fld>
             <a:endParaRPr kumimoji="1" lang="zh-TW" altLang="en-US"/>
           </a:p>
@@ -2909,7 +2909,7 @@
           <a:p>
             <a:fld id="{89851C12-1240-5B46-BD94-A3C3FBB79758}" type="datetimeFigureOut">
               <a:rPr kumimoji="1" lang="zh-TW" altLang="en-US" smtClean="0"/>
-              <a:t>2026/1/4</a:t>
+              <a:t>2026/1/16</a:t>
             </a:fld>
             <a:endParaRPr kumimoji="1" lang="zh-TW" altLang="en-US"/>
           </a:p>
@@ -3326,772 +3326,139 @@
           <a:chExt cx="0" cy="0"/>
         </a:xfrm>
       </p:grpSpPr>
-      <p:grpSp>
-        <p:nvGrpSpPr>
-          <p:cNvPr id="3" name="群組 2">
-            <a:extLst>
-              <a:ext uri="{FF2B5EF4-FFF2-40B4-BE49-F238E27FC236}">
-                <a16:creationId xmlns:a16="http://schemas.microsoft.com/office/drawing/2014/main" id="{4D72E583-1102-74F2-8F4B-74BEF2A102D3}"/>
-              </a:ext>
-            </a:extLst>
-          </p:cNvPr>
-          <p:cNvGrpSpPr/>
+      <p:pic>
+        <p:nvPicPr>
+          <p:cNvPr id="14" name="圖片 13">
+            <a:extLst>
+              <a:ext uri="{FF2B5EF4-FFF2-40B4-BE49-F238E27FC236}">
+                <a16:creationId xmlns:a16="http://schemas.microsoft.com/office/drawing/2014/main" id="{628E8504-9C52-6C2E-7CC4-78E70901813F}"/>
+              </a:ext>
+            </a:extLst>
+          </p:cNvPr>
+          <p:cNvPicPr>
+            <a:picLocks noChangeAspect="1"/>
+          </p:cNvPicPr>
           <p:nvPr/>
-        </p:nvGrpSpPr>
-        <p:grpSpPr>
+        </p:nvPicPr>
+        <p:blipFill>
+          <a:blip r:embed="rId2"/>
+          <a:stretch>
+            <a:fillRect/>
+          </a:stretch>
+        </p:blipFill>
+        <p:spPr>
           <a:xfrm>
-            <a:off x="685682" y="684473"/>
-            <a:ext cx="6316194" cy="4626978"/>
-            <a:chOff x="685682" y="684473"/>
-            <a:chExt cx="6316194" cy="4626978"/>
+            <a:off x="1638353" y="822667"/>
+            <a:ext cx="7772400" cy="4352053"/>
           </a:xfrm>
-        </p:grpSpPr>
-        <p:sp>
-          <p:nvSpPr>
-            <p:cNvPr id="4" name="矩形 3">
-              <a:extLst>
-                <a:ext uri="{FF2B5EF4-FFF2-40B4-BE49-F238E27FC236}">
-                  <a16:creationId xmlns:a16="http://schemas.microsoft.com/office/drawing/2014/main" id="{A843311B-F758-437D-7E41-2DB1ADE15C31}"/>
-                </a:ext>
-              </a:extLst>
-            </p:cNvPr>
-            <p:cNvSpPr/>
-            <p:nvPr/>
-          </p:nvSpPr>
-          <p:spPr>
-            <a:xfrm>
-              <a:off x="2336888" y="684473"/>
-              <a:ext cx="3062124" cy="2131879"/>
-            </a:xfrm>
-            <a:prstGeom prst="rect">
-              <a:avLst/>
-            </a:prstGeom>
-            <a:solidFill>
-              <a:schemeClr val="accent2">
-                <a:lumMod val="40000"/>
-                <a:lumOff val="60000"/>
-              </a:schemeClr>
-            </a:solidFill>
-          </p:spPr>
-          <p:style>
-            <a:lnRef idx="2">
-              <a:schemeClr val="accent1">
-                <a:shade val="15000"/>
-              </a:schemeClr>
-            </a:lnRef>
-            <a:fillRef idx="1">
-              <a:schemeClr val="accent1"/>
-            </a:fillRef>
-            <a:effectRef idx="0">
-              <a:schemeClr val="accent1"/>
-            </a:effectRef>
-            <a:fontRef idx="minor">
-              <a:schemeClr val="lt1"/>
-            </a:fontRef>
-          </p:style>
-          <p:txBody>
-            <a:bodyPr rtlCol="0" anchor="ctr"/>
-            <a:lstStyle/>
-            <a:p>
-              <a:pPr algn="ctr">
-                <a:lnSpc>
-                  <a:spcPct val="150000"/>
-                </a:lnSpc>
-              </a:pPr>
-              <a:r>
-                <a:rPr kumimoji="1" lang="en-US" altLang="zh-TW" sz="1600" b="1" dirty="0" err="1">
-                  <a:solidFill>
-                    <a:schemeClr val="tx1"/>
-                  </a:solidFill>
-                  <a:latin typeface="Courier New" panose="02070309020205020404" pitchFamily="49" charset="0"/>
-                  <a:cs typeface="Courier New" panose="02070309020205020404" pitchFamily="49" charset="0"/>
-                </a:rPr>
-                <a:t>UnsortedStaticArray</a:t>
-              </a:r>
-              <a:endParaRPr kumimoji="1" lang="en-US" altLang="zh-TW" sz="1600" b="1" dirty="0">
-                <a:solidFill>
-                  <a:schemeClr val="tx1"/>
-                </a:solidFill>
-                <a:latin typeface="Courier New" panose="02070309020205020404" pitchFamily="49" charset="0"/>
-                <a:cs typeface="Courier New" panose="02070309020205020404" pitchFamily="49" charset="0"/>
-              </a:endParaRPr>
-            </a:p>
-            <a:p>
-              <a:pPr>
-                <a:lnSpc>
-                  <a:spcPct val="150000"/>
-                </a:lnSpc>
-              </a:pPr>
-              <a:r>
-                <a:rPr kumimoji="1" lang="en-US" altLang="zh-TW" sz="1400" dirty="0">
-                  <a:solidFill>
-                    <a:schemeClr val="tx1"/>
-                  </a:solidFill>
-                  <a:latin typeface="Courier New" panose="02070309020205020404" pitchFamily="49" charset="0"/>
-                  <a:cs typeface="Courier New" panose="02070309020205020404" pitchFamily="49" charset="0"/>
-                </a:rPr>
-                <a:t>Attribute</a:t>
-              </a:r>
-            </a:p>
-            <a:p>
-              <a:pPr>
-                <a:lnSpc>
-                  <a:spcPct val="150000"/>
-                </a:lnSpc>
-              </a:pPr>
-              <a:r>
-                <a:rPr kumimoji="1" lang="en-US" altLang="zh-TW" sz="1400" dirty="0">
-                  <a:solidFill>
-                    <a:schemeClr val="tx1"/>
-                  </a:solidFill>
-                  <a:latin typeface="Courier New" panose="02070309020205020404" pitchFamily="49" charset="0"/>
-                  <a:cs typeface="Courier New" panose="02070309020205020404" pitchFamily="49" charset="0"/>
-                </a:rPr>
-                <a:t>- </a:t>
-              </a:r>
-              <a:r>
-                <a:rPr kumimoji="1" lang="en-US" altLang="zh-TW" sz="1400" dirty="0" err="1">
-                  <a:solidFill>
-                    <a:schemeClr val="tx1"/>
-                  </a:solidFill>
-                  <a:latin typeface="Courier New" panose="02070309020205020404" pitchFamily="49" charset="0"/>
-                  <a:cs typeface="Courier New" panose="02070309020205020404" pitchFamily="49" charset="0"/>
-                </a:rPr>
-                <a:t>typecode</a:t>
-              </a:r>
-              <a:endParaRPr kumimoji="1" lang="en-US" altLang="zh-TW" sz="1400" dirty="0">
-                <a:solidFill>
-                  <a:schemeClr val="tx1"/>
-                </a:solidFill>
-                <a:latin typeface="Courier New" panose="02070309020205020404" pitchFamily="49" charset="0"/>
-                <a:cs typeface="Courier New" panose="02070309020205020404" pitchFamily="49" charset="0"/>
-              </a:endParaRPr>
-            </a:p>
-            <a:p>
-              <a:pPr>
-                <a:lnSpc>
-                  <a:spcPct val="150000"/>
-                </a:lnSpc>
-              </a:pPr>
-              <a:r>
-                <a:rPr kumimoji="1" lang="en-US" altLang="zh-TW" sz="1400" dirty="0">
-                  <a:solidFill>
-                    <a:schemeClr val="tx1"/>
-                  </a:solidFill>
-                  <a:latin typeface="Courier New" panose="02070309020205020404" pitchFamily="49" charset="0"/>
-                  <a:cs typeface="Courier New" panose="02070309020205020404" pitchFamily="49" charset="0"/>
-                </a:rPr>
-                <a:t>- </a:t>
-              </a:r>
-              <a:r>
-                <a:rPr kumimoji="1" lang="en-US" altLang="zh-TW" sz="1400" dirty="0" err="1">
-                  <a:solidFill>
-                    <a:schemeClr val="tx1"/>
-                  </a:solidFill>
-                  <a:latin typeface="Courier New" panose="02070309020205020404" pitchFamily="49" charset="0"/>
-                  <a:cs typeface="Courier New" panose="02070309020205020404" pitchFamily="49" charset="0"/>
-                </a:rPr>
-                <a:t>max_size</a:t>
-              </a:r>
-              <a:endParaRPr kumimoji="1" lang="en-US" altLang="zh-TW" sz="1400" dirty="0">
-                <a:solidFill>
-                  <a:schemeClr val="tx1"/>
-                </a:solidFill>
-                <a:latin typeface="Courier New" panose="02070309020205020404" pitchFamily="49" charset="0"/>
-                <a:cs typeface="Courier New" panose="02070309020205020404" pitchFamily="49" charset="0"/>
-              </a:endParaRPr>
-            </a:p>
-            <a:p>
-              <a:pPr>
-                <a:lnSpc>
-                  <a:spcPct val="150000"/>
-                </a:lnSpc>
-              </a:pPr>
-              <a:r>
-                <a:rPr kumimoji="1" lang="en-US" altLang="zh-TW" sz="1400" dirty="0">
-                  <a:solidFill>
-                    <a:schemeClr val="tx1"/>
-                  </a:solidFill>
-                  <a:latin typeface="Courier New" panose="02070309020205020404" pitchFamily="49" charset="0"/>
-                  <a:cs typeface="Courier New" panose="02070309020205020404" pitchFamily="49" charset="0"/>
-                </a:rPr>
-                <a:t>- size</a:t>
-              </a:r>
-            </a:p>
-            <a:p>
-              <a:pPr>
-                <a:lnSpc>
-                  <a:spcPct val="150000"/>
-                </a:lnSpc>
-              </a:pPr>
-              <a:r>
-                <a:rPr kumimoji="1" lang="en-US" altLang="zh-TW" sz="1400" dirty="0">
-                  <a:solidFill>
-                    <a:schemeClr val="tx1"/>
-                  </a:solidFill>
-                  <a:latin typeface="Courier New" panose="02070309020205020404" pitchFamily="49" charset="0"/>
-                  <a:cs typeface="Courier New" panose="02070309020205020404" pitchFamily="49" charset="0"/>
-                </a:rPr>
-                <a:t>- array</a:t>
-              </a:r>
-              <a:endParaRPr kumimoji="1" lang="zh-TW" altLang="en-US" sz="1400" dirty="0">
-                <a:solidFill>
-                  <a:schemeClr val="tx1"/>
-                </a:solidFill>
-                <a:latin typeface="Courier New" panose="02070309020205020404" pitchFamily="49" charset="0"/>
-                <a:cs typeface="Courier New" panose="02070309020205020404" pitchFamily="49" charset="0"/>
-              </a:endParaRPr>
-            </a:p>
-          </p:txBody>
-        </p:sp>
-        <p:sp>
-          <p:nvSpPr>
-            <p:cNvPr id="16" name="向右箭號 15">
-              <a:extLst>
-                <a:ext uri="{FF2B5EF4-FFF2-40B4-BE49-F238E27FC236}">
-                  <a16:creationId xmlns:a16="http://schemas.microsoft.com/office/drawing/2014/main" id="{DF9E6911-4F9D-1E02-1FD8-B7C841B65316}"/>
-                </a:ext>
-              </a:extLst>
-            </p:cNvPr>
-            <p:cNvSpPr/>
-            <p:nvPr/>
-          </p:nvSpPr>
-          <p:spPr>
-            <a:xfrm>
-              <a:off x="685682" y="1434365"/>
-              <a:ext cx="1548000" cy="540000"/>
-            </a:xfrm>
-            <a:prstGeom prst="rightArrow">
-              <a:avLst/>
-            </a:prstGeom>
-          </p:spPr>
-          <p:style>
-            <a:lnRef idx="2">
-              <a:schemeClr val="accent1">
-                <a:shade val="15000"/>
-              </a:schemeClr>
-            </a:lnRef>
-            <a:fillRef idx="1">
-              <a:schemeClr val="accent1"/>
-            </a:fillRef>
-            <a:effectRef idx="0">
-              <a:schemeClr val="accent1"/>
-            </a:effectRef>
-            <a:fontRef idx="minor">
-              <a:schemeClr val="lt1"/>
-            </a:fontRef>
-          </p:style>
-          <p:txBody>
-            <a:bodyPr rtlCol="0" anchor="ctr"/>
-            <a:lstStyle/>
-            <a:p>
-              <a:pPr algn="ctr"/>
-              <a:r>
-                <a:rPr kumimoji="1" lang="en-US" altLang="zh-TW" sz="1400" dirty="0">
-                  <a:latin typeface="Courier New" panose="02070309020205020404" pitchFamily="49" charset="0"/>
-                  <a:cs typeface="Courier New" panose="02070309020205020404" pitchFamily="49" charset="0"/>
-                </a:rPr>
-                <a:t>insert(</a:t>
-              </a:r>
-              <a:r>
-                <a:rPr kumimoji="1" lang="en-US" altLang="zh-TW" sz="1400" dirty="0" err="1">
-                  <a:latin typeface="Courier New" panose="02070309020205020404" pitchFamily="49" charset="0"/>
-                  <a:cs typeface="Courier New" panose="02070309020205020404" pitchFamily="49" charset="0"/>
-                </a:rPr>
-                <a:t>val</a:t>
-              </a:r>
-              <a:r>
-                <a:rPr kumimoji="1" lang="en-US" altLang="zh-TW" sz="1400" dirty="0">
-                  <a:latin typeface="Courier New" panose="02070309020205020404" pitchFamily="49" charset="0"/>
-                  <a:cs typeface="Courier New" panose="02070309020205020404" pitchFamily="49" charset="0"/>
-                </a:rPr>
-                <a:t>)</a:t>
-              </a:r>
-              <a:endParaRPr kumimoji="1" lang="zh-TW" altLang="en-US" sz="1400" dirty="0">
-                <a:latin typeface="Courier New" panose="02070309020205020404" pitchFamily="49" charset="0"/>
-                <a:cs typeface="Courier New" panose="02070309020205020404" pitchFamily="49" charset="0"/>
-              </a:endParaRPr>
-            </a:p>
-          </p:txBody>
-        </p:sp>
-        <p:sp>
-          <p:nvSpPr>
-            <p:cNvPr id="17" name="向右箭號 16">
-              <a:extLst>
-                <a:ext uri="{FF2B5EF4-FFF2-40B4-BE49-F238E27FC236}">
-                  <a16:creationId xmlns:a16="http://schemas.microsoft.com/office/drawing/2014/main" id="{8145DE03-A25D-9335-7EA8-BE1FB4601920}"/>
-                </a:ext>
-              </a:extLst>
-            </p:cNvPr>
-            <p:cNvSpPr/>
-            <p:nvPr/>
-          </p:nvSpPr>
-          <p:spPr>
-            <a:xfrm>
-              <a:off x="5453876" y="938811"/>
-              <a:ext cx="1548000" cy="540000"/>
-            </a:xfrm>
-            <a:prstGeom prst="rightArrow">
-              <a:avLst/>
-            </a:prstGeom>
-          </p:spPr>
-          <p:style>
-            <a:lnRef idx="2">
-              <a:schemeClr val="accent1">
-                <a:shade val="15000"/>
-              </a:schemeClr>
-            </a:lnRef>
-            <a:fillRef idx="1">
-              <a:schemeClr val="accent1"/>
-            </a:fillRef>
-            <a:effectRef idx="0">
-              <a:schemeClr val="accent1"/>
-            </a:effectRef>
-            <a:fontRef idx="minor">
-              <a:schemeClr val="lt1"/>
-            </a:fontRef>
-          </p:style>
-          <p:txBody>
-            <a:bodyPr rtlCol="0" anchor="ctr"/>
-            <a:lstStyle/>
-            <a:p>
-              <a:pPr algn="ctr"/>
-              <a:r>
-                <a:rPr kumimoji="1" lang="en-US" altLang="zh-TW" sz="1400" dirty="0">
-                  <a:latin typeface="Courier New" panose="02070309020205020404" pitchFamily="49" charset="0"/>
-                  <a:cs typeface="Courier New" panose="02070309020205020404" pitchFamily="49" charset="0"/>
-                </a:rPr>
-                <a:t>delete(</a:t>
-              </a:r>
-              <a:r>
-                <a:rPr kumimoji="1" lang="en-US" altLang="zh-TW" sz="1400" dirty="0" err="1">
-                  <a:latin typeface="Courier New" panose="02070309020205020404" pitchFamily="49" charset="0"/>
-                  <a:cs typeface="Courier New" panose="02070309020205020404" pitchFamily="49" charset="0"/>
-                </a:rPr>
-                <a:t>idx</a:t>
-              </a:r>
-              <a:r>
-                <a:rPr kumimoji="1" lang="en-US" altLang="zh-TW" sz="1400" dirty="0">
-                  <a:latin typeface="Courier New" panose="02070309020205020404" pitchFamily="49" charset="0"/>
-                  <a:cs typeface="Courier New" panose="02070309020205020404" pitchFamily="49" charset="0"/>
-                </a:rPr>
-                <a:t>)</a:t>
-              </a:r>
-              <a:endParaRPr kumimoji="1" lang="zh-TW" altLang="en-US" sz="1400" dirty="0">
-                <a:latin typeface="Courier New" panose="02070309020205020404" pitchFamily="49" charset="0"/>
-                <a:cs typeface="Courier New" panose="02070309020205020404" pitchFamily="49" charset="0"/>
-              </a:endParaRPr>
-            </a:p>
-          </p:txBody>
-        </p:sp>
-        <p:sp>
-          <p:nvSpPr>
-            <p:cNvPr id="18" name="向右箭號 17">
-              <a:extLst>
-                <a:ext uri="{FF2B5EF4-FFF2-40B4-BE49-F238E27FC236}">
-                  <a16:creationId xmlns:a16="http://schemas.microsoft.com/office/drawing/2014/main" id="{CC112582-D504-3E51-1A49-6B44BCB633C8}"/>
-                </a:ext>
-              </a:extLst>
-            </p:cNvPr>
-            <p:cNvSpPr/>
-            <p:nvPr/>
-          </p:nvSpPr>
-          <p:spPr>
-            <a:xfrm>
-              <a:off x="5453876" y="1457089"/>
-              <a:ext cx="1548000" cy="540000"/>
-            </a:xfrm>
-            <a:prstGeom prst="rightArrow">
-              <a:avLst/>
-            </a:prstGeom>
-          </p:spPr>
-          <p:style>
-            <a:lnRef idx="2">
-              <a:schemeClr val="accent1">
-                <a:shade val="15000"/>
-              </a:schemeClr>
-            </a:lnRef>
-            <a:fillRef idx="1">
-              <a:schemeClr val="accent1"/>
-            </a:fillRef>
-            <a:effectRef idx="0">
-              <a:schemeClr val="accent1"/>
-            </a:effectRef>
-            <a:fontRef idx="minor">
-              <a:schemeClr val="lt1"/>
-            </a:fontRef>
-          </p:style>
-          <p:txBody>
-            <a:bodyPr rtlCol="0" anchor="ctr"/>
-            <a:lstStyle/>
-            <a:p>
-              <a:pPr algn="ctr"/>
-              <a:r>
-                <a:rPr kumimoji="1" lang="en-US" altLang="zh-TW" sz="1400" dirty="0">
-                  <a:latin typeface="Courier New" panose="02070309020205020404" pitchFamily="49" charset="0"/>
-                  <a:cs typeface="Courier New" panose="02070309020205020404" pitchFamily="49" charset="0"/>
-                </a:rPr>
-                <a:t>find(</a:t>
-              </a:r>
-              <a:r>
-                <a:rPr kumimoji="1" lang="en-US" altLang="zh-TW" sz="1400" dirty="0" err="1">
-                  <a:latin typeface="Courier New" panose="02070309020205020404" pitchFamily="49" charset="0"/>
-                  <a:cs typeface="Courier New" panose="02070309020205020404" pitchFamily="49" charset="0"/>
-                </a:rPr>
-                <a:t>val</a:t>
-              </a:r>
-              <a:r>
-                <a:rPr kumimoji="1" lang="en-US" altLang="zh-TW" sz="1400" dirty="0">
-                  <a:latin typeface="Courier New" panose="02070309020205020404" pitchFamily="49" charset="0"/>
-                  <a:cs typeface="Courier New" panose="02070309020205020404" pitchFamily="49" charset="0"/>
-                </a:rPr>
-                <a:t>)</a:t>
-              </a:r>
-              <a:endParaRPr kumimoji="1" lang="zh-TW" altLang="en-US" sz="1400" dirty="0">
-                <a:latin typeface="Courier New" panose="02070309020205020404" pitchFamily="49" charset="0"/>
-                <a:cs typeface="Courier New" panose="02070309020205020404" pitchFamily="49" charset="0"/>
-              </a:endParaRPr>
-            </a:p>
-          </p:txBody>
-        </p:sp>
-        <p:sp>
-          <p:nvSpPr>
-            <p:cNvPr id="19" name="向右箭號 18">
-              <a:extLst>
-                <a:ext uri="{FF2B5EF4-FFF2-40B4-BE49-F238E27FC236}">
-                  <a16:creationId xmlns:a16="http://schemas.microsoft.com/office/drawing/2014/main" id="{98852B0A-32FF-3D64-2D36-1DC77C61D76C}"/>
-                </a:ext>
-              </a:extLst>
-            </p:cNvPr>
-            <p:cNvSpPr/>
-            <p:nvPr/>
-          </p:nvSpPr>
-          <p:spPr>
-            <a:xfrm>
-              <a:off x="5453876" y="1975367"/>
-              <a:ext cx="1548000" cy="540000"/>
-            </a:xfrm>
-            <a:prstGeom prst="rightArrow">
-              <a:avLst/>
-            </a:prstGeom>
-          </p:spPr>
-          <p:style>
-            <a:lnRef idx="2">
-              <a:schemeClr val="accent1">
-                <a:shade val="15000"/>
-              </a:schemeClr>
-            </a:lnRef>
-            <a:fillRef idx="1">
-              <a:schemeClr val="accent1"/>
-            </a:fillRef>
-            <a:effectRef idx="0">
-              <a:schemeClr val="accent1"/>
-            </a:effectRef>
-            <a:fontRef idx="minor">
-              <a:schemeClr val="lt1"/>
-            </a:fontRef>
-          </p:style>
-          <p:txBody>
-            <a:bodyPr rtlCol="0" anchor="ctr"/>
-            <a:lstStyle/>
-            <a:p>
-              <a:pPr algn="ctr"/>
-              <a:r>
-                <a:rPr kumimoji="1" lang="en-US" altLang="zh-TW" sz="1400" dirty="0">
-                  <a:latin typeface="Courier New" panose="02070309020205020404" pitchFamily="49" charset="0"/>
-                  <a:cs typeface="Courier New" panose="02070309020205020404" pitchFamily="49" charset="0"/>
-                </a:rPr>
-                <a:t>traverse()</a:t>
-              </a:r>
-              <a:endParaRPr kumimoji="1" lang="zh-TW" altLang="en-US" sz="1400" dirty="0">
-                <a:latin typeface="Courier New" panose="02070309020205020404" pitchFamily="49" charset="0"/>
-                <a:cs typeface="Courier New" panose="02070309020205020404" pitchFamily="49" charset="0"/>
-              </a:endParaRPr>
-            </a:p>
-          </p:txBody>
-        </p:sp>
-        <p:sp>
-          <p:nvSpPr>
-            <p:cNvPr id="2" name="矩形 1">
-              <a:extLst>
-                <a:ext uri="{FF2B5EF4-FFF2-40B4-BE49-F238E27FC236}">
-                  <a16:creationId xmlns:a16="http://schemas.microsoft.com/office/drawing/2014/main" id="{F5E08F4C-B6D2-F367-EB68-3A04DFC13614}"/>
-                </a:ext>
-              </a:extLst>
-            </p:cNvPr>
-            <p:cNvSpPr/>
-            <p:nvPr/>
-          </p:nvSpPr>
-          <p:spPr>
-            <a:xfrm>
-              <a:off x="2336888" y="2904391"/>
-              <a:ext cx="3062124" cy="2407060"/>
-            </a:xfrm>
-            <a:prstGeom prst="rect">
-              <a:avLst/>
-            </a:prstGeom>
+          <a:prstGeom prst="rect">
+            <a:avLst/>
+          </a:prstGeom>
+        </p:spPr>
+      </p:pic>
+      <p:pic>
+        <p:nvPicPr>
+          <p:cNvPr id="5" name="圖片 4">
+            <a:extLst>
+              <a:ext uri="{FF2B5EF4-FFF2-40B4-BE49-F238E27FC236}">
+                <a16:creationId xmlns:a16="http://schemas.microsoft.com/office/drawing/2014/main" id="{8C3B188E-4A6D-DF4F-F202-7757DB56E45D}"/>
+              </a:ext>
+            </a:extLst>
+          </p:cNvPr>
+          <p:cNvPicPr>
+            <a:picLocks noChangeAspect="1"/>
+          </p:cNvPicPr>
+          <p:nvPr/>
+        </p:nvPicPr>
+        <p:blipFill>
+          <a:blip r:embed="rId3"/>
+          <a:stretch>
+            <a:fillRect/>
+          </a:stretch>
+        </p:blipFill>
+        <p:spPr>
+          <a:xfrm>
+            <a:off x="949622" y="1495022"/>
+            <a:ext cx="904692" cy="600826"/>
+          </a:xfrm>
+          <a:prstGeom prst="rect">
+            <a:avLst/>
+          </a:prstGeom>
+          <a:ln>
+            <a:noFill/>
+          </a:ln>
+        </p:spPr>
+      </p:pic>
+      <p:pic>
+        <p:nvPicPr>
+          <p:cNvPr id="6" name="圖片 5">
+            <a:extLst>
+              <a:ext uri="{FF2B5EF4-FFF2-40B4-BE49-F238E27FC236}">
+                <a16:creationId xmlns:a16="http://schemas.microsoft.com/office/drawing/2014/main" id="{0BAC55A7-F84A-205A-2F85-78B4AC4D8371}"/>
+              </a:ext>
+            </a:extLst>
+          </p:cNvPr>
+          <p:cNvPicPr>
+            <a:picLocks noChangeAspect="1"/>
+          </p:cNvPicPr>
+          <p:nvPr/>
+        </p:nvPicPr>
+        <p:blipFill>
+          <a:blip r:embed="rId4"/>
+          <a:stretch>
+            <a:fillRect/>
+          </a:stretch>
+        </p:blipFill>
+        <p:spPr>
+          <a:xfrm>
+            <a:off x="3935154" y="2868803"/>
+            <a:ext cx="3259483" cy="958260"/>
+          </a:xfrm>
+          <a:prstGeom prst="rect">
+            <a:avLst/>
+          </a:prstGeom>
+          <a:ln>
             <a:solidFill>
               <a:schemeClr val="accent1"/>
             </a:solidFill>
-          </p:spPr>
-          <p:style>
-            <a:lnRef idx="2">
-              <a:schemeClr val="accent1">
-                <a:shade val="15000"/>
-              </a:schemeClr>
-            </a:lnRef>
-            <a:fillRef idx="1">
+          </a:ln>
+        </p:spPr>
+      </p:pic>
+      <p:pic>
+        <p:nvPicPr>
+          <p:cNvPr id="9" name="圖片 8">
+            <a:extLst>
+              <a:ext uri="{FF2B5EF4-FFF2-40B4-BE49-F238E27FC236}">
+                <a16:creationId xmlns:a16="http://schemas.microsoft.com/office/drawing/2014/main" id="{260E5DE2-8EF2-BEA4-98B0-417C0D5D0F58}"/>
+              </a:ext>
+            </a:extLst>
+          </p:cNvPr>
+          <p:cNvPicPr>
+            <a:picLocks noChangeAspect="1"/>
+          </p:cNvPicPr>
+          <p:nvPr/>
+        </p:nvPicPr>
+        <p:blipFill>
+          <a:blip r:embed="rId5"/>
+          <a:stretch>
+            <a:fillRect/>
+          </a:stretch>
+        </p:blipFill>
+        <p:spPr>
+          <a:xfrm>
+            <a:off x="3935154" y="3900738"/>
+            <a:ext cx="1147834" cy="2758315"/>
+          </a:xfrm>
+          <a:prstGeom prst="rect">
+            <a:avLst/>
+          </a:prstGeom>
+          <a:ln>
+            <a:solidFill>
               <a:schemeClr val="accent1"/>
-            </a:fillRef>
-            <a:effectRef idx="0">
-              <a:schemeClr val="accent1"/>
-            </a:effectRef>
-            <a:fontRef idx="minor">
-              <a:schemeClr val="lt1"/>
-            </a:fontRef>
-          </p:style>
-          <p:txBody>
-            <a:bodyPr rtlCol="0" anchor="ctr"/>
-            <a:lstStyle/>
-            <a:p>
-              <a:pPr algn="ctr">
-                <a:lnSpc>
-                  <a:spcPct val="150000"/>
-                </a:lnSpc>
-              </a:pPr>
-              <a:r>
-                <a:rPr kumimoji="1" lang="en-US" altLang="zh-TW" sz="1600" b="1" dirty="0">
-                  <a:solidFill>
-                    <a:schemeClr val="bg1"/>
-                  </a:solidFill>
-                  <a:latin typeface="Courier New" panose="02070309020205020404" pitchFamily="49" charset="0"/>
-                  <a:cs typeface="Courier New" panose="02070309020205020404" pitchFamily="49" charset="0"/>
-                </a:rPr>
-                <a:t>Helper Function</a:t>
-              </a:r>
-              <a:endParaRPr kumimoji="1" lang="en-US" altLang="zh-TW" sz="1400" dirty="0">
-                <a:solidFill>
-                  <a:schemeClr val="bg1"/>
-                </a:solidFill>
-              </a:endParaRPr>
-            </a:p>
-            <a:p>
-              <a:pPr marL="171450" indent="-171450">
-                <a:lnSpc>
-                  <a:spcPct val="150000"/>
-                </a:lnSpc>
-                <a:buFontTx/>
-                <a:buChar char="-"/>
-              </a:pPr>
-              <a:r>
-                <a:rPr kumimoji="1" lang="en-US" altLang="zh-TW" sz="1400" dirty="0">
-                  <a:solidFill>
-                    <a:schemeClr val="bg1"/>
-                  </a:solidFill>
-                  <a:latin typeface="Courier New" panose="02070309020205020404" pitchFamily="49" charset="0"/>
-                  <a:cs typeface="Courier New" panose="02070309020205020404" pitchFamily="49" charset="0"/>
-                </a:rPr>
-                <a:t>__</a:t>
-              </a:r>
-              <a:r>
-                <a:rPr kumimoji="1" lang="en-US" altLang="zh-TW" sz="1400" dirty="0" err="1">
-                  <a:solidFill>
-                    <a:schemeClr val="bg1"/>
-                  </a:solidFill>
-                  <a:latin typeface="Courier New" panose="02070309020205020404" pitchFamily="49" charset="0"/>
-                  <a:cs typeface="Courier New" panose="02070309020205020404" pitchFamily="49" charset="0"/>
-                </a:rPr>
-                <a:t>init</a:t>
-              </a:r>
-              <a:r>
-                <a:rPr kumimoji="1" lang="en-US" altLang="zh-TW" sz="1400" dirty="0">
-                  <a:solidFill>
-                    <a:schemeClr val="bg1"/>
-                  </a:solidFill>
-                  <a:latin typeface="Courier New" panose="02070309020205020404" pitchFamily="49" charset="0"/>
-                  <a:cs typeface="Courier New" panose="02070309020205020404" pitchFamily="49" charset="0"/>
-                </a:rPr>
-                <a:t>__()</a:t>
-              </a:r>
-            </a:p>
-            <a:p>
-              <a:pPr marL="171450" indent="-171450">
-                <a:lnSpc>
-                  <a:spcPct val="150000"/>
-                </a:lnSpc>
-                <a:buFontTx/>
-                <a:buChar char="-"/>
-              </a:pPr>
-              <a:r>
-                <a:rPr kumimoji="1" lang="en-US" altLang="zh-TW" sz="1400" dirty="0">
-                  <a:solidFill>
-                    <a:schemeClr val="bg1"/>
-                  </a:solidFill>
-                  <a:latin typeface="Courier New" panose="02070309020205020404" pitchFamily="49" charset="0"/>
-                  <a:cs typeface="Courier New" panose="02070309020205020404" pitchFamily="49" charset="0"/>
-                </a:rPr>
-                <a:t>__</a:t>
-              </a:r>
-              <a:r>
-                <a:rPr kumimoji="1" lang="en-US" altLang="zh-TW" sz="1400" dirty="0" err="1">
-                  <a:solidFill>
-                    <a:schemeClr val="bg1"/>
-                  </a:solidFill>
-                  <a:latin typeface="Courier New" panose="02070309020205020404" pitchFamily="49" charset="0"/>
-                  <a:cs typeface="Courier New" panose="02070309020205020404" pitchFamily="49" charset="0"/>
-                </a:rPr>
-                <a:t>len</a:t>
-              </a:r>
-              <a:r>
-                <a:rPr kumimoji="1" lang="en-US" altLang="zh-TW" sz="1400" dirty="0">
-                  <a:solidFill>
-                    <a:schemeClr val="bg1"/>
-                  </a:solidFill>
-                  <a:latin typeface="Courier New" panose="02070309020205020404" pitchFamily="49" charset="0"/>
-                  <a:cs typeface="Courier New" panose="02070309020205020404" pitchFamily="49" charset="0"/>
-                </a:rPr>
-                <a:t>__()</a:t>
-              </a:r>
-            </a:p>
-            <a:p>
-              <a:pPr marL="171450" indent="-171450">
-                <a:lnSpc>
-                  <a:spcPct val="150000"/>
-                </a:lnSpc>
-                <a:buFontTx/>
-                <a:buChar char="-"/>
-              </a:pPr>
-              <a:r>
-                <a:rPr kumimoji="1" lang="en-US" altLang="zh-TW" sz="1400" dirty="0">
-                  <a:solidFill>
-                    <a:schemeClr val="bg1"/>
-                  </a:solidFill>
-                  <a:latin typeface="Courier New" panose="02070309020205020404" pitchFamily="49" charset="0"/>
-                  <a:cs typeface="Courier New" panose="02070309020205020404" pitchFamily="49" charset="0"/>
-                </a:rPr>
-                <a:t>__</a:t>
-              </a:r>
-              <a:r>
-                <a:rPr kumimoji="1" lang="en-US" altLang="zh-TW" sz="1400" dirty="0" err="1">
-                  <a:solidFill>
-                    <a:schemeClr val="bg1"/>
-                  </a:solidFill>
-                  <a:latin typeface="Courier New" panose="02070309020205020404" pitchFamily="49" charset="0"/>
-                  <a:cs typeface="Courier New" panose="02070309020205020404" pitchFamily="49" charset="0"/>
-                </a:rPr>
-                <a:t>getitem</a:t>
-              </a:r>
-              <a:r>
-                <a:rPr kumimoji="1" lang="en-US" altLang="zh-TW" sz="1400" dirty="0">
-                  <a:solidFill>
-                    <a:schemeClr val="bg1"/>
-                  </a:solidFill>
-                  <a:latin typeface="Courier New" panose="02070309020205020404" pitchFamily="49" charset="0"/>
-                  <a:cs typeface="Courier New" panose="02070309020205020404" pitchFamily="49" charset="0"/>
-                </a:rPr>
-                <a:t>__()</a:t>
-              </a:r>
-            </a:p>
-            <a:p>
-              <a:pPr marL="171450" indent="-171450">
-                <a:lnSpc>
-                  <a:spcPct val="150000"/>
-                </a:lnSpc>
-                <a:buFontTx/>
-                <a:buChar char="-"/>
-              </a:pPr>
-              <a:r>
-                <a:rPr kumimoji="1" lang="en-US" altLang="zh-TW" sz="1400" dirty="0">
-                  <a:solidFill>
-                    <a:schemeClr val="bg1"/>
-                  </a:solidFill>
-                  <a:latin typeface="Courier New" panose="02070309020205020404" pitchFamily="49" charset="0"/>
-                  <a:cs typeface="Courier New" panose="02070309020205020404" pitchFamily="49" charset="0"/>
-                </a:rPr>
-                <a:t>__</a:t>
-              </a:r>
-              <a:r>
-                <a:rPr kumimoji="1" lang="en-US" altLang="zh-TW" sz="1400" dirty="0" err="1">
-                  <a:solidFill>
-                    <a:schemeClr val="bg1"/>
-                  </a:solidFill>
-                  <a:latin typeface="Courier New" panose="02070309020205020404" pitchFamily="49" charset="0"/>
-                  <a:cs typeface="Courier New" panose="02070309020205020404" pitchFamily="49" charset="0"/>
-                </a:rPr>
-                <a:t>setitem</a:t>
-              </a:r>
-              <a:r>
-                <a:rPr kumimoji="1" lang="en-US" altLang="zh-TW" sz="1400" dirty="0">
-                  <a:solidFill>
-                    <a:schemeClr val="bg1"/>
-                  </a:solidFill>
-                  <a:latin typeface="Courier New" panose="02070309020205020404" pitchFamily="49" charset="0"/>
-                  <a:cs typeface="Courier New" panose="02070309020205020404" pitchFamily="49" charset="0"/>
-                </a:rPr>
-                <a:t>__()</a:t>
-              </a:r>
-            </a:p>
-            <a:p>
-              <a:pPr marL="171450" indent="-171450">
-                <a:lnSpc>
-                  <a:spcPct val="150000"/>
-                </a:lnSpc>
-                <a:buFontTx/>
-                <a:buChar char="-"/>
-              </a:pPr>
-              <a:r>
-                <a:rPr kumimoji="1" lang="en-US" altLang="zh-TW" sz="1400" dirty="0">
-                  <a:solidFill>
-                    <a:schemeClr val="bg1"/>
-                  </a:solidFill>
-                  <a:latin typeface="Courier New" panose="02070309020205020404" pitchFamily="49" charset="0"/>
-                  <a:cs typeface="Courier New" panose="02070309020205020404" pitchFamily="49" charset="0"/>
-                </a:rPr>
-                <a:t>__str__()</a:t>
-              </a:r>
-            </a:p>
-            <a:p>
-              <a:pPr marL="171450" indent="-171450">
-                <a:lnSpc>
-                  <a:spcPct val="150000"/>
-                </a:lnSpc>
-                <a:buFontTx/>
-                <a:buChar char="-"/>
-              </a:pPr>
-              <a:r>
-                <a:rPr kumimoji="1" lang="en-US" altLang="zh-TW" sz="1400" dirty="0">
-                  <a:solidFill>
-                    <a:schemeClr val="bg1"/>
-                  </a:solidFill>
-                  <a:latin typeface="Courier New" panose="02070309020205020404" pitchFamily="49" charset="0"/>
-                  <a:cs typeface="Courier New" panose="02070309020205020404" pitchFamily="49" charset="0"/>
-                </a:rPr>
-                <a:t>__</a:t>
-              </a:r>
-              <a:r>
-                <a:rPr kumimoji="1" lang="en-US" altLang="zh-TW" sz="1400" dirty="0" err="1">
-                  <a:solidFill>
-                    <a:schemeClr val="bg1"/>
-                  </a:solidFill>
-                  <a:latin typeface="Courier New" panose="02070309020205020404" pitchFamily="49" charset="0"/>
-                  <a:cs typeface="Courier New" panose="02070309020205020404" pitchFamily="49" charset="0"/>
-                </a:rPr>
-                <a:t>repr</a:t>
-              </a:r>
-              <a:r>
-                <a:rPr kumimoji="1" lang="en-US" altLang="zh-TW" sz="1400" dirty="0">
-                  <a:solidFill>
-                    <a:schemeClr val="bg1"/>
-                  </a:solidFill>
-                  <a:latin typeface="Courier New" panose="02070309020205020404" pitchFamily="49" charset="0"/>
-                  <a:cs typeface="Courier New" panose="02070309020205020404" pitchFamily="49" charset="0"/>
-                </a:rPr>
-                <a:t>__()</a:t>
-              </a:r>
-            </a:p>
-          </p:txBody>
-        </p:sp>
-      </p:grpSp>
+            </a:solidFill>
+          </a:ln>
+        </p:spPr>
+      </p:pic>
     </p:spTree>
     <p:extLst>
       <p:ext uri="{BB962C8B-B14F-4D97-AF65-F5344CB8AC3E}">

--- a/asset/ppt/ch04.pptx
+++ b/asset/ppt/ch04.pptx
@@ -6,6 +6,7 @@
   </p:sldMasterIdLst>
   <p:sldIdLst>
     <p:sldId id="257" r:id="rId2"/>
+    <p:sldId id="258" r:id="rId3"/>
   </p:sldIdLst>
   <p:sldSz cx="12192000" cy="6858000"/>
   <p:notesSz cx="6858000" cy="9144000"/>
@@ -3382,24 +3383,7 @@
                 <a:latin typeface="Courier New" panose="02070309020205020404" pitchFamily="49" charset="0"/>
                 <a:cs typeface="Courier New" panose="02070309020205020404" pitchFamily="49" charset="0"/>
               </a:rPr>
-              <a:t>Node </a:t>
-            </a:r>
-          </a:p>
-          <a:p>
-            <a:pPr algn="ctr">
-              <a:spcAft>
-                <a:spcPts val="600"/>
-              </a:spcAft>
-            </a:pPr>
-            <a:r>
-              <a:rPr kumimoji="1" lang="en-US" altLang="zh-TW" sz="1200" dirty="0">
-                <a:solidFill>
-                  <a:schemeClr val="tx1"/>
-                </a:solidFill>
-                <a:latin typeface="Courier New" panose="02070309020205020404" pitchFamily="49" charset="0"/>
-                <a:cs typeface="Courier New" panose="02070309020205020404" pitchFamily="49" charset="0"/>
-              </a:rPr>
-              <a:t>(Singly Linked List)</a:t>
+              <a:t>SinglyLinkedNode </a:t>
             </a:r>
           </a:p>
           <a:p>
@@ -3553,7 +3537,7 @@
                 <a:latin typeface="Courier New" panose="02070309020205020404" pitchFamily="49" charset="0"/>
                 <a:cs typeface="Courier New" panose="02070309020205020404" pitchFamily="49" charset="0"/>
               </a:rPr>
-              <a:t>Helper Function</a:t>
+              <a:t>Helper Methods</a:t>
             </a:r>
           </a:p>
           <a:p>
@@ -3644,23 +3628,6 @@
               <a:t>__()</a:t>
             </a:r>
           </a:p>
-          <a:p>
-            <a:pPr marL="171450" indent="-171450">
-              <a:buFontTx/>
-              <a:buChar char="-"/>
-            </a:pPr>
-            <a:r>
-              <a:rPr kumimoji="1" lang="en-US" altLang="zh-TW" sz="1400" dirty="0">
-                <a:latin typeface="Courier New" panose="02070309020205020404" pitchFamily="49" charset="0"/>
-                <a:cs typeface="Courier New" panose="02070309020205020404" pitchFamily="49" charset="0"/>
-              </a:rPr>
-              <a:t>traverse()</a:t>
-            </a:r>
-            <a:endParaRPr kumimoji="1" lang="zh-TW" altLang="en-US" sz="1400" dirty="0">
-              <a:latin typeface="Courier New" panose="02070309020205020404" pitchFamily="49" charset="0"/>
-              <a:cs typeface="Courier New" panose="02070309020205020404" pitchFamily="49" charset="0"/>
-            </a:endParaRPr>
-          </a:p>
         </p:txBody>
       </p:sp>
       <p:sp>
@@ -3677,7 +3644,7 @@
         </p:nvSpPr>
         <p:spPr>
           <a:xfrm>
-            <a:off x="5409449" y="979187"/>
+            <a:off x="5433880" y="945945"/>
             <a:ext cx="1359110" cy="738664"/>
           </a:xfrm>
           <a:prstGeom prst="rect">
@@ -3710,18 +3677,11 @@
           </a:p>
           <a:p>
             <a:r>
-              <a:rPr kumimoji="1" lang="en-US" altLang="zh-TW" sz="1400" dirty="0" err="1">
-                <a:latin typeface="Courier New" panose="02070309020205020404" pitchFamily="49" charset="0"/>
-                <a:cs typeface="Courier New" panose="02070309020205020404" pitchFamily="49" charset="0"/>
-              </a:rPr>
-              <a:t>has_next</a:t>
-            </a:r>
-            <a:r>
               <a:rPr kumimoji="1" lang="en-US" altLang="zh-TW" sz="1400" dirty="0">
                 <a:latin typeface="Courier New" panose="02070309020205020404" pitchFamily="49" charset="0"/>
                 <a:cs typeface="Courier New" panose="02070309020205020404" pitchFamily="49" charset="0"/>
               </a:rPr>
-              <a:t>()</a:t>
+              <a:t>traverse()</a:t>
             </a:r>
             <a:endParaRPr kumimoji="1" lang="zh-TW" altLang="en-US" sz="1400" dirty="0">
               <a:latin typeface="Courier New" panose="02070309020205020404" pitchFamily="49" charset="0"/>
@@ -3846,6 +3806,581 @@
     <p:extLst>
       <p:ext uri="{BB962C8B-B14F-4D97-AF65-F5344CB8AC3E}">
         <p14:creationId xmlns:p14="http://schemas.microsoft.com/office/powerpoint/2010/main" val="3588726358"/>
+      </p:ext>
+    </p:extLst>
+  </p:cSld>
+  <p:clrMapOvr>
+    <a:masterClrMapping/>
+  </p:clrMapOvr>
+</p:sld>
+</file>
+
+<file path=ppt/slides/slide2.xml><?xml version="1.0" encoding="utf-8"?>
+<p:sld xmlns:a="http://schemas.openxmlformats.org/drawingml/2006/main" xmlns:r="http://schemas.openxmlformats.org/officeDocument/2006/relationships" xmlns:p="http://schemas.openxmlformats.org/presentationml/2006/main">
+  <p:cSld>
+    <p:spTree>
+      <p:nvGrpSpPr>
+        <p:cNvPr id="1" name="">
+          <a:extLst>
+            <a:ext uri="{FF2B5EF4-FFF2-40B4-BE49-F238E27FC236}">
+              <a16:creationId xmlns:a16="http://schemas.microsoft.com/office/drawing/2014/main" id="{8A58C4C6-E0CC-CA95-EF18-744E67459E78}"/>
+            </a:ext>
+          </a:extLst>
+        </p:cNvPr>
+        <p:cNvGrpSpPr/>
+        <p:nvPr/>
+      </p:nvGrpSpPr>
+      <p:grpSpPr>
+        <a:xfrm>
+          <a:off x="0" y="0"/>
+          <a:ext cx="0" cy="0"/>
+          <a:chOff x="0" y="0"/>
+          <a:chExt cx="0" cy="0"/>
+        </a:xfrm>
+      </p:grpSpPr>
+      <p:sp>
+        <p:nvSpPr>
+          <p:cNvPr id="3" name="矩形 2">
+            <a:extLst>
+              <a:ext uri="{FF2B5EF4-FFF2-40B4-BE49-F238E27FC236}">
+                <a16:creationId xmlns:a16="http://schemas.microsoft.com/office/drawing/2014/main" id="{29BF3189-3BB9-A3A0-5420-A767BE5C28AA}"/>
+              </a:ext>
+            </a:extLst>
+          </p:cNvPr>
+          <p:cNvSpPr/>
+          <p:nvPr/>
+        </p:nvSpPr>
+        <p:spPr>
+          <a:xfrm>
+            <a:off x="2336888" y="684473"/>
+            <a:ext cx="3062124" cy="1474111"/>
+          </a:xfrm>
+          <a:prstGeom prst="rect">
+            <a:avLst/>
+          </a:prstGeom>
+          <a:solidFill>
+            <a:schemeClr val="accent2">
+              <a:lumMod val="40000"/>
+              <a:lumOff val="60000"/>
+            </a:schemeClr>
+          </a:solidFill>
+        </p:spPr>
+        <p:style>
+          <a:lnRef idx="2">
+            <a:schemeClr val="accent1">
+              <a:shade val="15000"/>
+            </a:schemeClr>
+          </a:lnRef>
+          <a:fillRef idx="1">
+            <a:schemeClr val="accent1"/>
+          </a:fillRef>
+          <a:effectRef idx="0">
+            <a:schemeClr val="accent1"/>
+          </a:effectRef>
+          <a:fontRef idx="minor">
+            <a:schemeClr val="lt1"/>
+          </a:fontRef>
+        </p:style>
+        <p:txBody>
+          <a:bodyPr rtlCol="0" anchor="ctr"/>
+          <a:lstStyle/>
+          <a:p>
+            <a:pPr algn="ctr"/>
+            <a:r>
+              <a:rPr kumimoji="1" lang="en-US" altLang="zh-TW" sz="1600" b="1" dirty="0" err="1">
+                <a:solidFill>
+                  <a:schemeClr val="tx1"/>
+                </a:solidFill>
+                <a:latin typeface="Courier New" panose="02070309020205020404" pitchFamily="49" charset="0"/>
+                <a:cs typeface="Courier New" panose="02070309020205020404" pitchFamily="49" charset="0"/>
+              </a:rPr>
+              <a:t>DoublyLinkedNode</a:t>
+            </a:r>
+            <a:r>
+              <a:rPr kumimoji="1" lang="en-US" altLang="zh-TW" sz="1600" b="1" dirty="0">
+                <a:solidFill>
+                  <a:schemeClr val="tx1"/>
+                </a:solidFill>
+                <a:latin typeface="Courier New" panose="02070309020205020404" pitchFamily="49" charset="0"/>
+                <a:cs typeface="Courier New" panose="02070309020205020404" pitchFamily="49" charset="0"/>
+              </a:rPr>
+              <a:t> </a:t>
+            </a:r>
+          </a:p>
+          <a:p>
+            <a:r>
+              <a:rPr kumimoji="1" lang="en-US" altLang="zh-TW" sz="1400" dirty="0">
+                <a:solidFill>
+                  <a:schemeClr val="tx1"/>
+                </a:solidFill>
+                <a:latin typeface="Courier New" panose="02070309020205020404" pitchFamily="49" charset="0"/>
+                <a:cs typeface="Courier New" panose="02070309020205020404" pitchFamily="49" charset="0"/>
+              </a:rPr>
+              <a:t>Attribute</a:t>
+            </a:r>
+          </a:p>
+          <a:p>
+            <a:r>
+              <a:rPr kumimoji="1" lang="en-US" altLang="zh-TW" sz="1400" dirty="0">
+                <a:solidFill>
+                  <a:schemeClr val="tx1"/>
+                </a:solidFill>
+                <a:latin typeface="Courier New" panose="02070309020205020404" pitchFamily="49" charset="0"/>
+                <a:cs typeface="Courier New" panose="02070309020205020404" pitchFamily="49" charset="0"/>
+              </a:rPr>
+              <a:t>- data</a:t>
+            </a:r>
+          </a:p>
+          <a:p>
+            <a:r>
+              <a:rPr kumimoji="1" lang="en-US" altLang="zh-TW" sz="1400" dirty="0">
+                <a:solidFill>
+                  <a:schemeClr val="tx1"/>
+                </a:solidFill>
+                <a:latin typeface="Courier New" panose="02070309020205020404" pitchFamily="49" charset="0"/>
+                <a:cs typeface="Courier New" panose="02070309020205020404" pitchFamily="49" charset="0"/>
+              </a:rPr>
+              <a:t>- </a:t>
+            </a:r>
+            <a:r>
+              <a:rPr kumimoji="1" lang="en-US" altLang="zh-TW" sz="1400" dirty="0" err="1">
+                <a:solidFill>
+                  <a:schemeClr val="tx1"/>
+                </a:solidFill>
+                <a:latin typeface="Courier New" panose="02070309020205020404" pitchFamily="49" charset="0"/>
+                <a:cs typeface="Courier New" panose="02070309020205020404" pitchFamily="49" charset="0"/>
+              </a:rPr>
+              <a:t>prev</a:t>
+            </a:r>
+            <a:endParaRPr kumimoji="1" lang="en-US" altLang="zh-TW" sz="1400" dirty="0">
+              <a:solidFill>
+                <a:schemeClr val="tx1"/>
+              </a:solidFill>
+              <a:latin typeface="Courier New" panose="02070309020205020404" pitchFamily="49" charset="0"/>
+              <a:cs typeface="Courier New" panose="02070309020205020404" pitchFamily="49" charset="0"/>
+            </a:endParaRPr>
+          </a:p>
+          <a:p>
+            <a:r>
+              <a:rPr kumimoji="1" lang="en-US" altLang="zh-TW" sz="1400" dirty="0">
+                <a:solidFill>
+                  <a:schemeClr val="tx1"/>
+                </a:solidFill>
+                <a:latin typeface="Courier New" panose="02070309020205020404" pitchFamily="49" charset="0"/>
+                <a:cs typeface="Courier New" panose="02070309020205020404" pitchFamily="49" charset="0"/>
+              </a:rPr>
+              <a:t>- next</a:t>
+            </a:r>
+            <a:endParaRPr kumimoji="1" lang="zh-TW" altLang="en-US" sz="1400" dirty="0">
+              <a:solidFill>
+                <a:schemeClr val="tx1"/>
+              </a:solidFill>
+              <a:latin typeface="Courier New" panose="02070309020205020404" pitchFamily="49" charset="0"/>
+              <a:cs typeface="Courier New" panose="02070309020205020404" pitchFamily="49" charset="0"/>
+            </a:endParaRPr>
+          </a:p>
+        </p:txBody>
+      </p:sp>
+      <p:sp>
+        <p:nvSpPr>
+          <p:cNvPr id="5" name="向右箭號 4">
+            <a:extLst>
+              <a:ext uri="{FF2B5EF4-FFF2-40B4-BE49-F238E27FC236}">
+                <a16:creationId xmlns:a16="http://schemas.microsoft.com/office/drawing/2014/main" id="{5072F153-71C0-FDAB-8B05-B90C25FFF7AD}"/>
+              </a:ext>
+            </a:extLst>
+          </p:cNvPr>
+          <p:cNvSpPr/>
+          <p:nvPr/>
+        </p:nvSpPr>
+        <p:spPr>
+          <a:xfrm>
+            <a:off x="5446449" y="1856549"/>
+            <a:ext cx="1440000" cy="252000"/>
+          </a:xfrm>
+          <a:prstGeom prst="rightArrow">
+            <a:avLst/>
+          </a:prstGeom>
+        </p:spPr>
+        <p:style>
+          <a:lnRef idx="2">
+            <a:schemeClr val="accent1">
+              <a:shade val="15000"/>
+            </a:schemeClr>
+          </a:lnRef>
+          <a:fillRef idx="1">
+            <a:schemeClr val="accent1"/>
+          </a:fillRef>
+          <a:effectRef idx="0">
+            <a:schemeClr val="accent1"/>
+          </a:effectRef>
+          <a:fontRef idx="minor">
+            <a:schemeClr val="lt1"/>
+          </a:fontRef>
+        </p:style>
+        <p:txBody>
+          <a:bodyPr rtlCol="0" anchor="ctr"/>
+          <a:lstStyle/>
+          <a:p>
+            <a:pPr algn="ctr"/>
+            <a:endParaRPr kumimoji="1" lang="zh-TW" altLang="en-US" sz="1400" dirty="0">
+              <a:latin typeface="Courier New" panose="02070309020205020404" pitchFamily="49" charset="0"/>
+              <a:cs typeface="Courier New" panose="02070309020205020404" pitchFamily="49" charset="0"/>
+            </a:endParaRPr>
+          </a:p>
+        </p:txBody>
+      </p:sp>
+      <p:sp>
+        <p:nvSpPr>
+          <p:cNvPr id="6" name="矩形 5">
+            <a:extLst>
+              <a:ext uri="{FF2B5EF4-FFF2-40B4-BE49-F238E27FC236}">
+                <a16:creationId xmlns:a16="http://schemas.microsoft.com/office/drawing/2014/main" id="{6CE33119-6DD8-0C20-93A2-1F52A8052A90}"/>
+              </a:ext>
+            </a:extLst>
+          </p:cNvPr>
+          <p:cNvSpPr/>
+          <p:nvPr/>
+        </p:nvSpPr>
+        <p:spPr>
+          <a:xfrm>
+            <a:off x="2336888" y="2256022"/>
+            <a:ext cx="3062124" cy="1326628"/>
+          </a:xfrm>
+          <a:prstGeom prst="rect">
+            <a:avLst/>
+          </a:prstGeom>
+          <a:solidFill>
+            <a:schemeClr val="accent1"/>
+          </a:solidFill>
+        </p:spPr>
+        <p:style>
+          <a:lnRef idx="2">
+            <a:schemeClr val="accent1">
+              <a:shade val="15000"/>
+            </a:schemeClr>
+          </a:lnRef>
+          <a:fillRef idx="1">
+            <a:schemeClr val="accent1"/>
+          </a:fillRef>
+          <a:effectRef idx="0">
+            <a:schemeClr val="accent1"/>
+          </a:effectRef>
+          <a:fontRef idx="minor">
+            <a:schemeClr val="lt1"/>
+          </a:fontRef>
+        </p:style>
+        <p:txBody>
+          <a:bodyPr rtlCol="0" anchor="ctr"/>
+          <a:lstStyle/>
+          <a:p>
+            <a:pPr algn="ctr">
+              <a:spcAft>
+                <a:spcPts val="600"/>
+              </a:spcAft>
+            </a:pPr>
+            <a:r>
+              <a:rPr kumimoji="1" lang="en-US" altLang="zh-TW" sz="1400" b="1" dirty="0">
+                <a:solidFill>
+                  <a:schemeClr val="bg1"/>
+                </a:solidFill>
+                <a:latin typeface="Courier New" panose="02070309020205020404" pitchFamily="49" charset="0"/>
+                <a:cs typeface="Courier New" panose="02070309020205020404" pitchFamily="49" charset="0"/>
+              </a:rPr>
+              <a:t>Helper Function</a:t>
+            </a:r>
+          </a:p>
+          <a:p>
+            <a:pPr marL="171450" indent="-171450">
+              <a:buFontTx/>
+              <a:buChar char="-"/>
+            </a:pPr>
+            <a:r>
+              <a:rPr kumimoji="1" lang="en-US" altLang="zh-TW" sz="1400" dirty="0">
+                <a:solidFill>
+                  <a:schemeClr val="bg1"/>
+                </a:solidFill>
+                <a:latin typeface="Courier New" panose="02070309020205020404" pitchFamily="49" charset="0"/>
+                <a:cs typeface="Courier New" panose="02070309020205020404" pitchFamily="49" charset="0"/>
+              </a:rPr>
+              <a:t>__</a:t>
+            </a:r>
+            <a:r>
+              <a:rPr kumimoji="1" lang="en-US" altLang="zh-TW" sz="1400" dirty="0" err="1">
+                <a:solidFill>
+                  <a:schemeClr val="bg1"/>
+                </a:solidFill>
+                <a:latin typeface="Courier New" panose="02070309020205020404" pitchFamily="49" charset="0"/>
+                <a:cs typeface="Courier New" panose="02070309020205020404" pitchFamily="49" charset="0"/>
+              </a:rPr>
+              <a:t>init</a:t>
+            </a:r>
+            <a:r>
+              <a:rPr kumimoji="1" lang="en-US" altLang="zh-TW" sz="1400" dirty="0">
+                <a:solidFill>
+                  <a:schemeClr val="bg1"/>
+                </a:solidFill>
+                <a:latin typeface="Courier New" panose="02070309020205020404" pitchFamily="49" charset="0"/>
+                <a:cs typeface="Courier New" panose="02070309020205020404" pitchFamily="49" charset="0"/>
+              </a:rPr>
+              <a:t>__()</a:t>
+            </a:r>
+          </a:p>
+          <a:p>
+            <a:pPr marL="171450" indent="-171450">
+              <a:buFontTx/>
+              <a:buChar char="-"/>
+            </a:pPr>
+            <a:r>
+              <a:rPr kumimoji="1" lang="en-US" altLang="zh-TW" sz="1400" dirty="0">
+                <a:solidFill>
+                  <a:schemeClr val="bg1"/>
+                </a:solidFill>
+                <a:latin typeface="Courier New" panose="02070309020205020404" pitchFamily="49" charset="0"/>
+                <a:cs typeface="Courier New" panose="02070309020205020404" pitchFamily="49" charset="0"/>
+              </a:rPr>
+              <a:t>__str__()</a:t>
+            </a:r>
+          </a:p>
+          <a:p>
+            <a:pPr marL="171450" indent="-171450">
+              <a:buFontTx/>
+              <a:buChar char="-"/>
+            </a:pPr>
+            <a:r>
+              <a:rPr kumimoji="1" lang="en-US" altLang="zh-TW" sz="1400" dirty="0">
+                <a:solidFill>
+                  <a:schemeClr val="bg1"/>
+                </a:solidFill>
+                <a:latin typeface="Courier New" panose="02070309020205020404" pitchFamily="49" charset="0"/>
+                <a:cs typeface="Courier New" panose="02070309020205020404" pitchFamily="49" charset="0"/>
+              </a:rPr>
+              <a:t>__</a:t>
+            </a:r>
+            <a:r>
+              <a:rPr kumimoji="1" lang="en-US" altLang="zh-TW" sz="1400" dirty="0" err="1">
+                <a:solidFill>
+                  <a:schemeClr val="bg1"/>
+                </a:solidFill>
+                <a:latin typeface="Courier New" panose="02070309020205020404" pitchFamily="49" charset="0"/>
+                <a:cs typeface="Courier New" panose="02070309020205020404" pitchFamily="49" charset="0"/>
+              </a:rPr>
+              <a:t>repr</a:t>
+            </a:r>
+            <a:r>
+              <a:rPr kumimoji="1" lang="en-US" altLang="zh-TW" sz="1400" dirty="0">
+                <a:solidFill>
+                  <a:schemeClr val="bg1"/>
+                </a:solidFill>
+                <a:latin typeface="Courier New" panose="02070309020205020404" pitchFamily="49" charset="0"/>
+                <a:cs typeface="Courier New" panose="02070309020205020404" pitchFamily="49" charset="0"/>
+              </a:rPr>
+              <a:t>__()</a:t>
+            </a:r>
+          </a:p>
+        </p:txBody>
+      </p:sp>
+      <p:sp>
+        <p:nvSpPr>
+          <p:cNvPr id="7" name="文字方塊 6">
+            <a:extLst>
+              <a:ext uri="{FF2B5EF4-FFF2-40B4-BE49-F238E27FC236}">
+                <a16:creationId xmlns:a16="http://schemas.microsoft.com/office/drawing/2014/main" id="{4C8CFBB9-171F-5313-7978-9119B5C63C00}"/>
+              </a:ext>
+            </a:extLst>
+          </p:cNvPr>
+          <p:cNvSpPr txBox="1"/>
+          <p:nvPr/>
+        </p:nvSpPr>
+        <p:spPr>
+          <a:xfrm>
+            <a:off x="5433880" y="868022"/>
+            <a:ext cx="1359110" cy="954107"/>
+          </a:xfrm>
+          <a:prstGeom prst="rect">
+            <a:avLst/>
+          </a:prstGeom>
+          <a:noFill/>
+        </p:spPr>
+        <p:txBody>
+          <a:bodyPr wrap="square">
+            <a:spAutoFit/>
+          </a:bodyPr>
+          <a:lstStyle/>
+          <a:p>
+            <a:r>
+              <a:rPr kumimoji="1" lang="en-US" altLang="zh-TW" sz="1400" dirty="0">
+                <a:latin typeface="Courier New" panose="02070309020205020404" pitchFamily="49" charset="0"/>
+                <a:cs typeface="Courier New" panose="02070309020205020404" pitchFamily="49" charset="0"/>
+              </a:rPr>
+              <a:t>.data</a:t>
+            </a:r>
+          </a:p>
+          <a:p>
+            <a:r>
+              <a:rPr kumimoji="1" lang="en-US" altLang="zh-TW" sz="1400" dirty="0">
+                <a:latin typeface="Courier New" panose="02070309020205020404" pitchFamily="49" charset="0"/>
+                <a:cs typeface="Courier New" panose="02070309020205020404" pitchFamily="49" charset="0"/>
+              </a:rPr>
+              <a:t>.</a:t>
+            </a:r>
+            <a:r>
+              <a:rPr kumimoji="1" lang="en-US" altLang="zh-TW" sz="1400" dirty="0" err="1">
+                <a:latin typeface="Courier New" panose="02070309020205020404" pitchFamily="49" charset="0"/>
+                <a:cs typeface="Courier New" panose="02070309020205020404" pitchFamily="49" charset="0"/>
+              </a:rPr>
+              <a:t>prev</a:t>
+            </a:r>
+            <a:endParaRPr kumimoji="1" lang="en-US" altLang="zh-TW" sz="1400" dirty="0">
+              <a:latin typeface="Courier New" panose="02070309020205020404" pitchFamily="49" charset="0"/>
+              <a:cs typeface="Courier New" panose="02070309020205020404" pitchFamily="49" charset="0"/>
+            </a:endParaRPr>
+          </a:p>
+          <a:p>
+            <a:r>
+              <a:rPr kumimoji="1" lang="en-US" altLang="zh-TW" sz="1400" dirty="0">
+                <a:latin typeface="Courier New" panose="02070309020205020404" pitchFamily="49" charset="0"/>
+                <a:cs typeface="Courier New" panose="02070309020205020404" pitchFamily="49" charset="0"/>
+              </a:rPr>
+              <a:t>.next</a:t>
+            </a:r>
+          </a:p>
+          <a:p>
+            <a:r>
+              <a:rPr kumimoji="1" lang="en-US" altLang="zh-TW" sz="1400" dirty="0">
+                <a:latin typeface="Courier New" panose="02070309020205020404" pitchFamily="49" charset="0"/>
+                <a:cs typeface="Courier New" panose="02070309020205020404" pitchFamily="49" charset="0"/>
+              </a:rPr>
+              <a:t>traverse()</a:t>
+            </a:r>
+          </a:p>
+        </p:txBody>
+      </p:sp>
+      <p:grpSp>
+        <p:nvGrpSpPr>
+          <p:cNvPr id="8" name="群組 7">
+            <a:extLst>
+              <a:ext uri="{FF2B5EF4-FFF2-40B4-BE49-F238E27FC236}">
+                <a16:creationId xmlns:a16="http://schemas.microsoft.com/office/drawing/2014/main" id="{4C488350-15A0-0759-D476-EEA80A79A360}"/>
+              </a:ext>
+            </a:extLst>
+          </p:cNvPr>
+          <p:cNvGrpSpPr/>
+          <p:nvPr/>
+        </p:nvGrpSpPr>
+        <p:grpSpPr>
+          <a:xfrm>
+            <a:off x="774501" y="1207682"/>
+            <a:ext cx="1514950" cy="740447"/>
+            <a:chOff x="8215108" y="2140141"/>
+            <a:chExt cx="1514950" cy="740447"/>
+          </a:xfrm>
+        </p:grpSpPr>
+        <p:sp>
+          <p:nvSpPr>
+            <p:cNvPr id="9" name="向右箭號 8">
+              <a:extLst>
+                <a:ext uri="{FF2B5EF4-FFF2-40B4-BE49-F238E27FC236}">
+                  <a16:creationId xmlns:a16="http://schemas.microsoft.com/office/drawing/2014/main" id="{AC206ACE-8599-A7EE-82FB-093542C256EE}"/>
+                </a:ext>
+              </a:extLst>
+            </p:cNvPr>
+            <p:cNvSpPr/>
+            <p:nvPr/>
+          </p:nvSpPr>
+          <p:spPr>
+            <a:xfrm>
+              <a:off x="8290058" y="2628588"/>
+              <a:ext cx="1440000" cy="252000"/>
+            </a:xfrm>
+            <a:prstGeom prst="rightArrow">
+              <a:avLst/>
+            </a:prstGeom>
+          </p:spPr>
+          <p:style>
+            <a:lnRef idx="2">
+              <a:schemeClr val="accent1">
+                <a:shade val="15000"/>
+              </a:schemeClr>
+            </a:lnRef>
+            <a:fillRef idx="1">
+              <a:schemeClr val="accent1"/>
+            </a:fillRef>
+            <a:effectRef idx="0">
+              <a:schemeClr val="accent1"/>
+            </a:effectRef>
+            <a:fontRef idx="minor">
+              <a:schemeClr val="lt1"/>
+            </a:fontRef>
+          </p:style>
+          <p:txBody>
+            <a:bodyPr rtlCol="0" anchor="ctr"/>
+            <a:lstStyle/>
+            <a:p>
+              <a:pPr algn="ctr"/>
+              <a:endParaRPr kumimoji="1" lang="zh-TW" altLang="en-US" sz="1400" dirty="0">
+                <a:latin typeface="Courier New" panose="02070309020205020404" pitchFamily="49" charset="0"/>
+                <a:cs typeface="Courier New" panose="02070309020205020404" pitchFamily="49" charset="0"/>
+              </a:endParaRPr>
+            </a:p>
+          </p:txBody>
+        </p:sp>
+        <p:sp>
+          <p:nvSpPr>
+            <p:cNvPr id="11" name="文字方塊 10">
+              <a:extLst>
+                <a:ext uri="{FF2B5EF4-FFF2-40B4-BE49-F238E27FC236}">
+                  <a16:creationId xmlns:a16="http://schemas.microsoft.com/office/drawing/2014/main" id="{DBD02E00-D553-4483-8E71-8D8F24A5A962}"/>
+                </a:ext>
+              </a:extLst>
+            </p:cNvPr>
+            <p:cNvSpPr txBox="1"/>
+            <p:nvPr/>
+          </p:nvSpPr>
+          <p:spPr>
+            <a:xfrm>
+              <a:off x="8215108" y="2140141"/>
+              <a:ext cx="1359110" cy="523220"/>
+            </a:xfrm>
+            <a:prstGeom prst="rect">
+              <a:avLst/>
+            </a:prstGeom>
+            <a:noFill/>
+          </p:spPr>
+          <p:txBody>
+            <a:bodyPr wrap="square">
+              <a:spAutoFit/>
+            </a:bodyPr>
+            <a:lstStyle/>
+            <a:p>
+              <a:r>
+                <a:rPr kumimoji="1" lang="en-US" altLang="zh-TW" sz="1400" dirty="0">
+                  <a:latin typeface="Courier New" panose="02070309020205020404" pitchFamily="49" charset="0"/>
+                  <a:cs typeface="Courier New" panose="02070309020205020404" pitchFamily="49" charset="0"/>
+                </a:rPr>
+                <a:t>append()</a:t>
+              </a:r>
+            </a:p>
+            <a:p>
+              <a:r>
+                <a:rPr kumimoji="1" lang="en-US" altLang="zh-TW" sz="1400" dirty="0">
+                  <a:latin typeface="Courier New" panose="02070309020205020404" pitchFamily="49" charset="0"/>
+                  <a:cs typeface="Courier New" panose="02070309020205020404" pitchFamily="49" charset="0"/>
+                </a:rPr>
+                <a:t>prepend()</a:t>
+              </a:r>
+              <a:endParaRPr kumimoji="1" lang="zh-TW" altLang="en-US" sz="1400" dirty="0">
+                <a:latin typeface="Courier New" panose="02070309020205020404" pitchFamily="49" charset="0"/>
+                <a:cs typeface="Courier New" panose="02070309020205020404" pitchFamily="49" charset="0"/>
+              </a:endParaRPr>
+            </a:p>
+          </p:txBody>
+        </p:sp>
+      </p:grpSp>
+    </p:spTree>
+    <p:extLst>
+      <p:ext uri="{BB962C8B-B14F-4D97-AF65-F5344CB8AC3E}">
+        <p14:creationId xmlns:p14="http://schemas.microsoft.com/office/powerpoint/2010/main" val="220093269"/>
       </p:ext>
     </p:extLst>
   </p:cSld>

--- a/asset/ppt/ch04.pptx
+++ b/asset/ppt/ch04.pptx
@@ -6,7 +6,8 @@
   </p:sldMasterIdLst>
   <p:sldIdLst>
     <p:sldId id="257" r:id="rId2"/>
-    <p:sldId id="258" r:id="rId3"/>
+    <p:sldId id="259" r:id="rId3"/>
+    <p:sldId id="258" r:id="rId4"/>
   </p:sldIdLst>
   <p:sldSz cx="12192000" cy="6858000"/>
   <p:notesSz cx="6858000" cy="9144000"/>
@@ -260,7 +261,7 @@
           <a:p>
             <a:fld id="{89851C12-1240-5B46-BD94-A3C3FBB79758}" type="datetimeFigureOut">
               <a:rPr kumimoji="1" lang="zh-TW" altLang="en-US" smtClean="0"/>
-              <a:t>2026/1/19</a:t>
+              <a:t>2026/1/20</a:t>
             </a:fld>
             <a:endParaRPr kumimoji="1" lang="zh-TW" altLang="en-US"/>
           </a:p>
@@ -458,7 +459,7 @@
           <a:p>
             <a:fld id="{89851C12-1240-5B46-BD94-A3C3FBB79758}" type="datetimeFigureOut">
               <a:rPr kumimoji="1" lang="zh-TW" altLang="en-US" smtClean="0"/>
-              <a:t>2026/1/19</a:t>
+              <a:t>2026/1/20</a:t>
             </a:fld>
             <a:endParaRPr kumimoji="1" lang="zh-TW" altLang="en-US"/>
           </a:p>
@@ -666,7 +667,7 @@
           <a:p>
             <a:fld id="{89851C12-1240-5B46-BD94-A3C3FBB79758}" type="datetimeFigureOut">
               <a:rPr kumimoji="1" lang="zh-TW" altLang="en-US" smtClean="0"/>
-              <a:t>2026/1/19</a:t>
+              <a:t>2026/1/20</a:t>
             </a:fld>
             <a:endParaRPr kumimoji="1" lang="zh-TW" altLang="en-US"/>
           </a:p>
@@ -864,7 +865,7 @@
           <a:p>
             <a:fld id="{89851C12-1240-5B46-BD94-A3C3FBB79758}" type="datetimeFigureOut">
               <a:rPr kumimoji="1" lang="zh-TW" altLang="en-US" smtClean="0"/>
-              <a:t>2026/1/19</a:t>
+              <a:t>2026/1/20</a:t>
             </a:fld>
             <a:endParaRPr kumimoji="1" lang="zh-TW" altLang="en-US"/>
           </a:p>
@@ -1139,7 +1140,7 @@
           <a:p>
             <a:fld id="{89851C12-1240-5B46-BD94-A3C3FBB79758}" type="datetimeFigureOut">
               <a:rPr kumimoji="1" lang="zh-TW" altLang="en-US" smtClean="0"/>
-              <a:t>2026/1/19</a:t>
+              <a:t>2026/1/20</a:t>
             </a:fld>
             <a:endParaRPr kumimoji="1" lang="zh-TW" altLang="en-US"/>
           </a:p>
@@ -1404,7 +1405,7 @@
           <a:p>
             <a:fld id="{89851C12-1240-5B46-BD94-A3C3FBB79758}" type="datetimeFigureOut">
               <a:rPr kumimoji="1" lang="zh-TW" altLang="en-US" smtClean="0"/>
-              <a:t>2026/1/19</a:t>
+              <a:t>2026/1/20</a:t>
             </a:fld>
             <a:endParaRPr kumimoji="1" lang="zh-TW" altLang="en-US"/>
           </a:p>
@@ -1816,7 +1817,7 @@
           <a:p>
             <a:fld id="{89851C12-1240-5B46-BD94-A3C3FBB79758}" type="datetimeFigureOut">
               <a:rPr kumimoji="1" lang="zh-TW" altLang="en-US" smtClean="0"/>
-              <a:t>2026/1/19</a:t>
+              <a:t>2026/1/20</a:t>
             </a:fld>
             <a:endParaRPr kumimoji="1" lang="zh-TW" altLang="en-US"/>
           </a:p>
@@ -1957,7 +1958,7 @@
           <a:p>
             <a:fld id="{89851C12-1240-5B46-BD94-A3C3FBB79758}" type="datetimeFigureOut">
               <a:rPr kumimoji="1" lang="zh-TW" altLang="en-US" smtClean="0"/>
-              <a:t>2026/1/19</a:t>
+              <a:t>2026/1/20</a:t>
             </a:fld>
             <a:endParaRPr kumimoji="1" lang="zh-TW" altLang="en-US"/>
           </a:p>
@@ -2070,7 +2071,7 @@
           <a:p>
             <a:fld id="{89851C12-1240-5B46-BD94-A3C3FBB79758}" type="datetimeFigureOut">
               <a:rPr kumimoji="1" lang="zh-TW" altLang="en-US" smtClean="0"/>
-              <a:t>2026/1/19</a:t>
+              <a:t>2026/1/20</a:t>
             </a:fld>
             <a:endParaRPr kumimoji="1" lang="zh-TW" altLang="en-US"/>
           </a:p>
@@ -2381,7 +2382,7 @@
           <a:p>
             <a:fld id="{89851C12-1240-5B46-BD94-A3C3FBB79758}" type="datetimeFigureOut">
               <a:rPr kumimoji="1" lang="zh-TW" altLang="en-US" smtClean="0"/>
-              <a:t>2026/1/19</a:t>
+              <a:t>2026/1/20</a:t>
             </a:fld>
             <a:endParaRPr kumimoji="1" lang="zh-TW" altLang="en-US"/>
           </a:p>
@@ -2669,7 +2670,7 @@
           <a:p>
             <a:fld id="{89851C12-1240-5B46-BD94-A3C3FBB79758}" type="datetimeFigureOut">
               <a:rPr kumimoji="1" lang="zh-TW" altLang="en-US" smtClean="0"/>
-              <a:t>2026/1/19</a:t>
+              <a:t>2026/1/20</a:t>
             </a:fld>
             <a:endParaRPr kumimoji="1" lang="zh-TW" altLang="en-US"/>
           </a:p>
@@ -2910,7 +2911,7 @@
           <a:p>
             <a:fld id="{89851C12-1240-5B46-BD94-A3C3FBB79758}" type="datetimeFigureOut">
               <a:rPr kumimoji="1" lang="zh-TW" altLang="en-US" smtClean="0"/>
-              <a:t>2026/1/19</a:t>
+              <a:t>2026/1/20</a:t>
             </a:fld>
             <a:endParaRPr kumimoji="1" lang="zh-TW" altLang="en-US"/>
           </a:p>
@@ -3816,6 +3817,658 @@
 </file>
 
 <file path=ppt/slides/slide2.xml><?xml version="1.0" encoding="utf-8"?>
+<p:sld xmlns:a="http://schemas.openxmlformats.org/drawingml/2006/main" xmlns:r="http://schemas.openxmlformats.org/officeDocument/2006/relationships" xmlns:p="http://schemas.openxmlformats.org/presentationml/2006/main">
+  <p:cSld>
+    <p:spTree>
+      <p:nvGrpSpPr>
+        <p:cNvPr id="1" name="">
+          <a:extLst>
+            <a:ext uri="{FF2B5EF4-FFF2-40B4-BE49-F238E27FC236}">
+              <a16:creationId xmlns:a16="http://schemas.microsoft.com/office/drawing/2014/main" id="{6751E8ED-0F06-D8FB-63B6-D001D212AB30}"/>
+            </a:ext>
+          </a:extLst>
+        </p:cNvPr>
+        <p:cNvGrpSpPr/>
+        <p:nvPr/>
+      </p:nvGrpSpPr>
+      <p:grpSpPr>
+        <a:xfrm>
+          <a:off x="0" y="0"/>
+          <a:ext cx="0" cy="0"/>
+          <a:chOff x="0" y="0"/>
+          <a:chExt cx="0" cy="0"/>
+        </a:xfrm>
+      </p:grpSpPr>
+      <p:sp>
+        <p:nvSpPr>
+          <p:cNvPr id="4" name="矩形 3">
+            <a:extLst>
+              <a:ext uri="{FF2B5EF4-FFF2-40B4-BE49-F238E27FC236}">
+                <a16:creationId xmlns:a16="http://schemas.microsoft.com/office/drawing/2014/main" id="{B170C179-2D3F-83C7-14ED-65ACCE32D183}"/>
+              </a:ext>
+            </a:extLst>
+          </p:cNvPr>
+          <p:cNvSpPr/>
+          <p:nvPr/>
+        </p:nvSpPr>
+        <p:spPr>
+          <a:xfrm>
+            <a:off x="4085006" y="980308"/>
+            <a:ext cx="3062124" cy="1961514"/>
+          </a:xfrm>
+          <a:prstGeom prst="rect">
+            <a:avLst/>
+          </a:prstGeom>
+          <a:solidFill>
+            <a:schemeClr val="accent2">
+              <a:lumMod val="40000"/>
+              <a:lumOff val="60000"/>
+            </a:schemeClr>
+          </a:solidFill>
+        </p:spPr>
+        <p:style>
+          <a:lnRef idx="2">
+            <a:schemeClr val="accent1">
+              <a:shade val="15000"/>
+            </a:schemeClr>
+          </a:lnRef>
+          <a:fillRef idx="1">
+            <a:schemeClr val="accent1"/>
+          </a:fillRef>
+          <a:effectRef idx="0">
+            <a:schemeClr val="accent1"/>
+          </a:effectRef>
+          <a:fontRef idx="minor">
+            <a:schemeClr val="lt1"/>
+          </a:fontRef>
+        </p:style>
+        <p:txBody>
+          <a:bodyPr rtlCol="0" anchor="ctr"/>
+          <a:lstStyle/>
+          <a:p>
+            <a:pPr algn="ctr"/>
+            <a:r>
+              <a:rPr kumimoji="1" lang="en-US" altLang="zh-TW" sz="1600" b="1" dirty="0" err="1">
+                <a:solidFill>
+                  <a:schemeClr val="tx1"/>
+                </a:solidFill>
+                <a:latin typeface="Courier New" panose="02070309020205020404" pitchFamily="49" charset="0"/>
+                <a:cs typeface="Courier New" panose="02070309020205020404" pitchFamily="49" charset="0"/>
+              </a:rPr>
+              <a:t>SinglyLinkedList</a:t>
+            </a:r>
+            <a:r>
+              <a:rPr kumimoji="1" lang="en-US" altLang="zh-TW" sz="1600" b="1" dirty="0">
+                <a:solidFill>
+                  <a:schemeClr val="tx1"/>
+                </a:solidFill>
+                <a:latin typeface="Courier New" panose="02070309020205020404" pitchFamily="49" charset="0"/>
+                <a:cs typeface="Courier New" panose="02070309020205020404" pitchFamily="49" charset="0"/>
+              </a:rPr>
+              <a:t> </a:t>
+            </a:r>
+          </a:p>
+          <a:p>
+            <a:r>
+              <a:rPr kumimoji="1" lang="en-US" altLang="zh-TW" sz="1400" dirty="0">
+                <a:solidFill>
+                  <a:schemeClr val="tx1"/>
+                </a:solidFill>
+                <a:latin typeface="Courier New" panose="02070309020205020404" pitchFamily="49" charset="0"/>
+                <a:cs typeface="Courier New" panose="02070309020205020404" pitchFamily="49" charset="0"/>
+              </a:rPr>
+              <a:t>Attribute</a:t>
+            </a:r>
+          </a:p>
+          <a:p>
+            <a:r>
+              <a:rPr kumimoji="1" lang="en-US" altLang="zh-TW" sz="1400" dirty="0">
+                <a:solidFill>
+                  <a:schemeClr val="tx1"/>
+                </a:solidFill>
+                <a:latin typeface="Courier New" panose="02070309020205020404" pitchFamily="49" charset="0"/>
+                <a:cs typeface="Courier New" panose="02070309020205020404" pitchFamily="49" charset="0"/>
+              </a:rPr>
+              <a:t>- head: link to 1</a:t>
+            </a:r>
+            <a:r>
+              <a:rPr kumimoji="1" lang="en-US" altLang="zh-TW" sz="1400" baseline="30000" dirty="0">
+                <a:solidFill>
+                  <a:schemeClr val="tx1"/>
+                </a:solidFill>
+                <a:latin typeface="Courier New" panose="02070309020205020404" pitchFamily="49" charset="0"/>
+                <a:cs typeface="Courier New" panose="02070309020205020404" pitchFamily="49" charset="0"/>
+              </a:rPr>
+              <a:t>st</a:t>
+            </a:r>
+            <a:r>
+              <a:rPr kumimoji="1" lang="en-US" altLang="zh-TW" sz="1400" dirty="0">
+                <a:solidFill>
+                  <a:schemeClr val="tx1"/>
+                </a:solidFill>
+                <a:latin typeface="Courier New" panose="02070309020205020404" pitchFamily="49" charset="0"/>
+                <a:cs typeface="Courier New" panose="02070309020205020404" pitchFamily="49" charset="0"/>
+              </a:rPr>
+              <a:t> node</a:t>
+            </a:r>
+          </a:p>
+          <a:p>
+            <a:endParaRPr kumimoji="1" lang="zh-TW" altLang="en-US" sz="1400" dirty="0">
+              <a:solidFill>
+                <a:schemeClr val="tx1"/>
+              </a:solidFill>
+              <a:latin typeface="Courier New" panose="02070309020205020404" pitchFamily="49" charset="0"/>
+              <a:cs typeface="Courier New" panose="02070309020205020404" pitchFamily="49" charset="0"/>
+            </a:endParaRPr>
+          </a:p>
+        </p:txBody>
+      </p:sp>
+      <p:sp>
+        <p:nvSpPr>
+          <p:cNvPr id="19" name="向右箭號 18">
+            <a:extLst>
+              <a:ext uri="{FF2B5EF4-FFF2-40B4-BE49-F238E27FC236}">
+                <a16:creationId xmlns:a16="http://schemas.microsoft.com/office/drawing/2014/main" id="{C89ADA7E-CF15-F4B7-DA82-CB21A5038FE2}"/>
+              </a:ext>
+            </a:extLst>
+          </p:cNvPr>
+          <p:cNvSpPr/>
+          <p:nvPr/>
+        </p:nvSpPr>
+        <p:spPr>
+          <a:xfrm>
+            <a:off x="7222062" y="2470893"/>
+            <a:ext cx="1800000" cy="360000"/>
+          </a:xfrm>
+          <a:prstGeom prst="rightArrow">
+            <a:avLst/>
+          </a:prstGeom>
+        </p:spPr>
+        <p:style>
+          <a:lnRef idx="2">
+            <a:schemeClr val="accent1">
+              <a:shade val="15000"/>
+            </a:schemeClr>
+          </a:lnRef>
+          <a:fillRef idx="1">
+            <a:schemeClr val="accent1"/>
+          </a:fillRef>
+          <a:effectRef idx="0">
+            <a:schemeClr val="accent1"/>
+          </a:effectRef>
+          <a:fontRef idx="minor">
+            <a:schemeClr val="lt1"/>
+          </a:fontRef>
+        </p:style>
+        <p:txBody>
+          <a:bodyPr rtlCol="0" anchor="ctr"/>
+          <a:lstStyle/>
+          <a:p>
+            <a:pPr algn="ctr"/>
+            <a:endParaRPr kumimoji="1" lang="zh-TW" altLang="en-US" sz="1400" dirty="0">
+              <a:latin typeface="Courier New" panose="02070309020205020404" pitchFamily="49" charset="0"/>
+              <a:cs typeface="Courier New" panose="02070309020205020404" pitchFamily="49" charset="0"/>
+            </a:endParaRPr>
+          </a:p>
+        </p:txBody>
+      </p:sp>
+      <p:sp>
+        <p:nvSpPr>
+          <p:cNvPr id="2" name="矩形 1">
+            <a:extLst>
+              <a:ext uri="{FF2B5EF4-FFF2-40B4-BE49-F238E27FC236}">
+                <a16:creationId xmlns:a16="http://schemas.microsoft.com/office/drawing/2014/main" id="{C2008198-75CB-F8BE-5408-8E1447F7099E}"/>
+              </a:ext>
+            </a:extLst>
+          </p:cNvPr>
+          <p:cNvSpPr/>
+          <p:nvPr/>
+        </p:nvSpPr>
+        <p:spPr>
+          <a:xfrm>
+            <a:off x="4085006" y="2982163"/>
+            <a:ext cx="3062124" cy="1326628"/>
+          </a:xfrm>
+          <a:prstGeom prst="rect">
+            <a:avLst/>
+          </a:prstGeom>
+          <a:solidFill>
+            <a:schemeClr val="accent1"/>
+          </a:solidFill>
+        </p:spPr>
+        <p:style>
+          <a:lnRef idx="2">
+            <a:schemeClr val="accent1">
+              <a:shade val="15000"/>
+            </a:schemeClr>
+          </a:lnRef>
+          <a:fillRef idx="1">
+            <a:schemeClr val="accent1"/>
+          </a:fillRef>
+          <a:effectRef idx="0">
+            <a:schemeClr val="accent1"/>
+          </a:effectRef>
+          <a:fontRef idx="minor">
+            <a:schemeClr val="lt1"/>
+          </a:fontRef>
+        </p:style>
+        <p:txBody>
+          <a:bodyPr rtlCol="0" anchor="ctr"/>
+          <a:lstStyle/>
+          <a:p>
+            <a:pPr algn="ctr">
+              <a:spcAft>
+                <a:spcPts val="600"/>
+              </a:spcAft>
+            </a:pPr>
+            <a:r>
+              <a:rPr kumimoji="1" lang="en-US" altLang="zh-TW" sz="1400" b="1" dirty="0">
+                <a:solidFill>
+                  <a:schemeClr val="bg1"/>
+                </a:solidFill>
+                <a:latin typeface="Courier New" panose="02070309020205020404" pitchFamily="49" charset="0"/>
+                <a:cs typeface="Courier New" panose="02070309020205020404" pitchFamily="49" charset="0"/>
+              </a:rPr>
+              <a:t>Helper Methods</a:t>
+            </a:r>
+          </a:p>
+          <a:p>
+            <a:pPr marL="171450" indent="-171450">
+              <a:buFontTx/>
+              <a:buChar char="-"/>
+            </a:pPr>
+            <a:r>
+              <a:rPr kumimoji="1" lang="en-US" altLang="zh-TW" sz="1400" dirty="0">
+                <a:solidFill>
+                  <a:schemeClr val="bg1"/>
+                </a:solidFill>
+                <a:latin typeface="Courier New" panose="02070309020205020404" pitchFamily="49" charset="0"/>
+                <a:cs typeface="Courier New" panose="02070309020205020404" pitchFamily="49" charset="0"/>
+              </a:rPr>
+              <a:t>__</a:t>
+            </a:r>
+            <a:r>
+              <a:rPr kumimoji="1" lang="en-US" altLang="zh-TW" sz="1400" dirty="0" err="1">
+                <a:solidFill>
+                  <a:schemeClr val="bg1"/>
+                </a:solidFill>
+                <a:latin typeface="Courier New" panose="02070309020205020404" pitchFamily="49" charset="0"/>
+                <a:cs typeface="Courier New" panose="02070309020205020404" pitchFamily="49" charset="0"/>
+              </a:rPr>
+              <a:t>init</a:t>
+            </a:r>
+            <a:r>
+              <a:rPr kumimoji="1" lang="en-US" altLang="zh-TW" sz="1400" dirty="0">
+                <a:solidFill>
+                  <a:schemeClr val="bg1"/>
+                </a:solidFill>
+                <a:latin typeface="Courier New" panose="02070309020205020404" pitchFamily="49" charset="0"/>
+                <a:cs typeface="Courier New" panose="02070309020205020404" pitchFamily="49" charset="0"/>
+              </a:rPr>
+              <a:t>__()</a:t>
+            </a:r>
+          </a:p>
+          <a:p>
+            <a:pPr marL="171450" indent="-171450">
+              <a:buFontTx/>
+              <a:buChar char="-"/>
+            </a:pPr>
+            <a:r>
+              <a:rPr kumimoji="1" lang="en-US" altLang="zh-TW" sz="1400" dirty="0">
+                <a:solidFill>
+                  <a:schemeClr val="bg1"/>
+                </a:solidFill>
+                <a:latin typeface="Courier New" panose="02070309020205020404" pitchFamily="49" charset="0"/>
+                <a:cs typeface="Courier New" panose="02070309020205020404" pitchFamily="49" charset="0"/>
+              </a:rPr>
+              <a:t>__</a:t>
+            </a:r>
+            <a:r>
+              <a:rPr kumimoji="1" lang="en-US" altLang="zh-TW" sz="1400" dirty="0" err="1">
+                <a:solidFill>
+                  <a:schemeClr val="bg1"/>
+                </a:solidFill>
+                <a:latin typeface="Courier New" panose="02070309020205020404" pitchFamily="49" charset="0"/>
+                <a:cs typeface="Courier New" panose="02070309020205020404" pitchFamily="49" charset="0"/>
+              </a:rPr>
+              <a:t>len</a:t>
+            </a:r>
+            <a:r>
+              <a:rPr kumimoji="1" lang="en-US" altLang="zh-TW" sz="1400" dirty="0">
+                <a:solidFill>
+                  <a:schemeClr val="bg1"/>
+                </a:solidFill>
+                <a:latin typeface="Courier New" panose="02070309020205020404" pitchFamily="49" charset="0"/>
+                <a:cs typeface="Courier New" panose="02070309020205020404" pitchFamily="49" charset="0"/>
+              </a:rPr>
+              <a:t>__()</a:t>
+            </a:r>
+          </a:p>
+          <a:p>
+            <a:pPr marL="171450" indent="-171450">
+              <a:buFontTx/>
+              <a:buChar char="-"/>
+            </a:pPr>
+            <a:r>
+              <a:rPr kumimoji="1" lang="en-US" altLang="zh-TW" sz="1400" dirty="0">
+                <a:solidFill>
+                  <a:schemeClr val="bg1"/>
+                </a:solidFill>
+                <a:latin typeface="Courier New" panose="02070309020205020404" pitchFamily="49" charset="0"/>
+                <a:cs typeface="Courier New" panose="02070309020205020404" pitchFamily="49" charset="0"/>
+              </a:rPr>
+              <a:t>__str__()</a:t>
+            </a:r>
+          </a:p>
+          <a:p>
+            <a:pPr marL="171450" indent="-171450">
+              <a:buFontTx/>
+              <a:buChar char="-"/>
+            </a:pPr>
+            <a:r>
+              <a:rPr kumimoji="1" lang="en-US" altLang="zh-TW" sz="1400" dirty="0">
+                <a:solidFill>
+                  <a:schemeClr val="bg1"/>
+                </a:solidFill>
+                <a:latin typeface="Courier New" panose="02070309020205020404" pitchFamily="49" charset="0"/>
+                <a:cs typeface="Courier New" panose="02070309020205020404" pitchFamily="49" charset="0"/>
+              </a:rPr>
+              <a:t>__</a:t>
+            </a:r>
+            <a:r>
+              <a:rPr kumimoji="1" lang="en-US" altLang="zh-TW" sz="1400" dirty="0" err="1">
+                <a:solidFill>
+                  <a:schemeClr val="bg1"/>
+                </a:solidFill>
+                <a:latin typeface="Courier New" panose="02070309020205020404" pitchFamily="49" charset="0"/>
+                <a:cs typeface="Courier New" panose="02070309020205020404" pitchFamily="49" charset="0"/>
+              </a:rPr>
+              <a:t>repr</a:t>
+            </a:r>
+            <a:r>
+              <a:rPr kumimoji="1" lang="en-US" altLang="zh-TW" sz="1400" dirty="0">
+                <a:solidFill>
+                  <a:schemeClr val="bg1"/>
+                </a:solidFill>
+                <a:latin typeface="Courier New" panose="02070309020205020404" pitchFamily="49" charset="0"/>
+                <a:cs typeface="Courier New" panose="02070309020205020404" pitchFamily="49" charset="0"/>
+              </a:rPr>
+              <a:t>__()</a:t>
+            </a:r>
+          </a:p>
+        </p:txBody>
+      </p:sp>
+      <p:sp>
+        <p:nvSpPr>
+          <p:cNvPr id="10" name="文字方塊 9">
+            <a:extLst>
+              <a:ext uri="{FF2B5EF4-FFF2-40B4-BE49-F238E27FC236}">
+                <a16:creationId xmlns:a16="http://schemas.microsoft.com/office/drawing/2014/main" id="{005860A7-C728-6CA1-C28D-0487DA63842C}"/>
+              </a:ext>
+            </a:extLst>
+          </p:cNvPr>
+          <p:cNvSpPr txBox="1"/>
+          <p:nvPr/>
+        </p:nvSpPr>
+        <p:spPr>
+          <a:xfrm>
+            <a:off x="7222062" y="1373342"/>
+            <a:ext cx="2433527" cy="954107"/>
+          </a:xfrm>
+          <a:prstGeom prst="rect">
+            <a:avLst/>
+          </a:prstGeom>
+          <a:noFill/>
+        </p:spPr>
+        <p:txBody>
+          <a:bodyPr wrap="square">
+            <a:spAutoFit/>
+          </a:bodyPr>
+          <a:lstStyle/>
+          <a:p>
+            <a:r>
+              <a:rPr kumimoji="1" lang="en-US" altLang="zh-TW" sz="1400" dirty="0">
+                <a:latin typeface="Courier New" panose="02070309020205020404" pitchFamily="49" charset="0"/>
+                <a:cs typeface="Courier New" panose="02070309020205020404" pitchFamily="49" charset="0"/>
+              </a:rPr>
+              <a:t>traverse()</a:t>
+            </a:r>
+          </a:p>
+          <a:p>
+            <a:r>
+              <a:rPr kumimoji="1" lang="en-US" altLang="zh-TW" sz="1400" dirty="0" err="1">
+                <a:latin typeface="Courier New" panose="02070309020205020404" pitchFamily="49" charset="0"/>
+                <a:cs typeface="Courier New" panose="02070309020205020404" pitchFamily="49" charset="0"/>
+              </a:rPr>
+              <a:t>is_empty</a:t>
+            </a:r>
+            <a:r>
+              <a:rPr kumimoji="1" lang="en-US" altLang="zh-TW" sz="1400" dirty="0">
+                <a:latin typeface="Courier New" panose="02070309020205020404" pitchFamily="49" charset="0"/>
+                <a:cs typeface="Courier New" panose="02070309020205020404" pitchFamily="49" charset="0"/>
+              </a:rPr>
+              <a:t>()</a:t>
+            </a:r>
+          </a:p>
+          <a:p>
+            <a:r>
+              <a:rPr kumimoji="1" lang="en-US" altLang="zh-TW" sz="1400" dirty="0">
+                <a:latin typeface="Courier New" panose="02070309020205020404" pitchFamily="49" charset="0"/>
+                <a:cs typeface="Courier New" panose="02070309020205020404" pitchFamily="49" charset="0"/>
+              </a:rPr>
+              <a:t>get(index)</a:t>
+            </a:r>
+          </a:p>
+          <a:p>
+            <a:r>
+              <a:rPr kumimoji="1" lang="en-US" altLang="zh-TW" sz="1400" dirty="0">
+                <a:latin typeface="Courier New" panose="02070309020205020404" pitchFamily="49" charset="0"/>
+                <a:cs typeface="Courier New" panose="02070309020205020404" pitchFamily="49" charset="0"/>
+              </a:rPr>
+              <a:t>search(value)</a:t>
+            </a:r>
+            <a:endParaRPr kumimoji="1" lang="zh-TW" altLang="en-US" sz="1400" dirty="0">
+              <a:latin typeface="Courier New" panose="02070309020205020404" pitchFamily="49" charset="0"/>
+              <a:cs typeface="Courier New" panose="02070309020205020404" pitchFamily="49" charset="0"/>
+            </a:endParaRPr>
+          </a:p>
+        </p:txBody>
+      </p:sp>
+      <p:sp>
+        <p:nvSpPr>
+          <p:cNvPr id="23" name="向右箭號 22">
+            <a:extLst>
+              <a:ext uri="{FF2B5EF4-FFF2-40B4-BE49-F238E27FC236}">
+                <a16:creationId xmlns:a16="http://schemas.microsoft.com/office/drawing/2014/main" id="{29C73F89-DD87-34BD-04ED-8B782F750F27}"/>
+              </a:ext>
+            </a:extLst>
+          </p:cNvPr>
+          <p:cNvSpPr/>
+          <p:nvPr/>
+        </p:nvSpPr>
+        <p:spPr>
+          <a:xfrm>
+            <a:off x="2083385" y="2542893"/>
+            <a:ext cx="1800000" cy="360000"/>
+          </a:xfrm>
+          <a:prstGeom prst="rightArrow">
+            <a:avLst/>
+          </a:prstGeom>
+        </p:spPr>
+        <p:style>
+          <a:lnRef idx="2">
+            <a:schemeClr val="accent1">
+              <a:shade val="15000"/>
+            </a:schemeClr>
+          </a:lnRef>
+          <a:fillRef idx="1">
+            <a:schemeClr val="accent1"/>
+          </a:fillRef>
+          <a:effectRef idx="0">
+            <a:schemeClr val="accent1"/>
+          </a:effectRef>
+          <a:fontRef idx="minor">
+            <a:schemeClr val="lt1"/>
+          </a:fontRef>
+        </p:style>
+        <p:txBody>
+          <a:bodyPr rtlCol="0" anchor="ctr"/>
+          <a:lstStyle/>
+          <a:p>
+            <a:pPr algn="ctr"/>
+            <a:endParaRPr kumimoji="1" lang="zh-TW" altLang="en-US" sz="1400" dirty="0">
+              <a:latin typeface="Courier New" panose="02070309020205020404" pitchFamily="49" charset="0"/>
+              <a:cs typeface="Courier New" panose="02070309020205020404" pitchFamily="49" charset="0"/>
+            </a:endParaRPr>
+          </a:p>
+        </p:txBody>
+      </p:sp>
+      <p:sp>
+        <p:nvSpPr>
+          <p:cNvPr id="24" name="文字方塊 23">
+            <a:extLst>
+              <a:ext uri="{FF2B5EF4-FFF2-40B4-BE49-F238E27FC236}">
+                <a16:creationId xmlns:a16="http://schemas.microsoft.com/office/drawing/2014/main" id="{E5B6A933-982E-4EFB-3EC6-9D3363C1B89B}"/>
+              </a:ext>
+            </a:extLst>
+          </p:cNvPr>
+          <p:cNvSpPr txBox="1"/>
+          <p:nvPr/>
+        </p:nvSpPr>
+        <p:spPr>
+          <a:xfrm>
+            <a:off x="1929200" y="1373342"/>
+            <a:ext cx="2155806" cy="1169551"/>
+          </a:xfrm>
+          <a:prstGeom prst="rect">
+            <a:avLst/>
+          </a:prstGeom>
+          <a:noFill/>
+        </p:spPr>
+        <p:txBody>
+          <a:bodyPr wrap="square">
+            <a:spAutoFit/>
+          </a:bodyPr>
+          <a:lstStyle/>
+          <a:p>
+            <a:r>
+              <a:rPr kumimoji="1" lang="en-US" altLang="zh-TW" sz="1400" dirty="0" err="1">
+                <a:latin typeface="Courier New" panose="02070309020205020404" pitchFamily="49" charset="0"/>
+                <a:cs typeface="Courier New" panose="02070309020205020404" pitchFamily="49" charset="0"/>
+              </a:rPr>
+              <a:t>insert_in_front</a:t>
+            </a:r>
+            <a:r>
+              <a:rPr kumimoji="1" lang="en-US" altLang="zh-TW" sz="1400" dirty="0">
+                <a:latin typeface="Courier New" panose="02070309020205020404" pitchFamily="49" charset="0"/>
+                <a:cs typeface="Courier New" panose="02070309020205020404" pitchFamily="49" charset="0"/>
+              </a:rPr>
+              <a:t>()</a:t>
+            </a:r>
+          </a:p>
+          <a:p>
+            <a:r>
+              <a:rPr kumimoji="1" lang="en-US" altLang="zh-TW" sz="1400" dirty="0" err="1">
+                <a:latin typeface="Courier New" panose="02070309020205020404" pitchFamily="49" charset="0"/>
+                <a:cs typeface="Courier New" panose="02070309020205020404" pitchFamily="49" charset="0"/>
+              </a:rPr>
+              <a:t>insert_to_back</a:t>
+            </a:r>
+            <a:r>
+              <a:rPr kumimoji="1" lang="en-US" altLang="zh-TW" sz="1400" dirty="0">
+                <a:latin typeface="Courier New" panose="02070309020205020404" pitchFamily="49" charset="0"/>
+                <a:cs typeface="Courier New" panose="02070309020205020404" pitchFamily="49" charset="0"/>
+              </a:rPr>
+              <a:t>()</a:t>
+            </a:r>
+          </a:p>
+          <a:p>
+            <a:r>
+              <a:rPr kumimoji="1" lang="en-US" altLang="zh-TW" sz="1400" dirty="0">
+                <a:latin typeface="Courier New" panose="02070309020205020404" pitchFamily="49" charset="0"/>
+                <a:cs typeface="Courier New" panose="02070309020205020404" pitchFamily="49" charset="0"/>
+              </a:rPr>
+              <a:t>delete(value)</a:t>
+            </a:r>
+          </a:p>
+          <a:p>
+            <a:r>
+              <a:rPr kumimoji="1" lang="en-US" altLang="zh-TW" sz="1400" dirty="0" err="1">
+                <a:latin typeface="Courier New" panose="02070309020205020404" pitchFamily="49" charset="0"/>
+                <a:cs typeface="Courier New" panose="02070309020205020404" pitchFamily="49" charset="0"/>
+              </a:rPr>
+              <a:t>delete_from_front</a:t>
+            </a:r>
+            <a:r>
+              <a:rPr kumimoji="1" lang="en-US" altLang="zh-TW" sz="1400" dirty="0">
+                <a:latin typeface="Courier New" panose="02070309020205020404" pitchFamily="49" charset="0"/>
+                <a:cs typeface="Courier New" panose="02070309020205020404" pitchFamily="49" charset="0"/>
+              </a:rPr>
+              <a:t>()</a:t>
+            </a:r>
+          </a:p>
+          <a:p>
+            <a:r>
+              <a:rPr kumimoji="1" lang="en-US" altLang="zh-TW" sz="1400" dirty="0" err="1">
+                <a:latin typeface="Courier New" panose="02070309020205020404" pitchFamily="49" charset="0"/>
+                <a:cs typeface="Courier New" panose="02070309020205020404" pitchFamily="49" charset="0"/>
+              </a:rPr>
+              <a:t>delete_from_back</a:t>
+            </a:r>
+            <a:r>
+              <a:rPr kumimoji="1" lang="en-US" altLang="zh-TW" sz="1400" dirty="0">
+                <a:latin typeface="Courier New" panose="02070309020205020404" pitchFamily="49" charset="0"/>
+                <a:cs typeface="Courier New" panose="02070309020205020404" pitchFamily="49" charset="0"/>
+              </a:rPr>
+              <a:t>()</a:t>
+            </a:r>
+          </a:p>
+        </p:txBody>
+      </p:sp>
+      <p:pic>
+        <p:nvPicPr>
+          <p:cNvPr id="3" name="圖片 2">
+            <a:extLst>
+              <a:ext uri="{FF2B5EF4-FFF2-40B4-BE49-F238E27FC236}">
+                <a16:creationId xmlns:a16="http://schemas.microsoft.com/office/drawing/2014/main" id="{311FB3AE-BEF2-26D6-AFB6-5E6623E30A8E}"/>
+              </a:ext>
+            </a:extLst>
+          </p:cNvPr>
+          <p:cNvPicPr>
+            <a:picLocks noChangeAspect="1"/>
+          </p:cNvPicPr>
+          <p:nvPr/>
+        </p:nvPicPr>
+        <p:blipFill>
+          <a:blip r:embed="rId2"/>
+          <a:stretch>
+            <a:fillRect/>
+          </a:stretch>
+        </p:blipFill>
+        <p:spPr>
+          <a:xfrm>
+            <a:off x="4333368" y="2333343"/>
+            <a:ext cx="2565400" cy="419100"/>
+          </a:xfrm>
+          <a:prstGeom prst="rect">
+            <a:avLst/>
+          </a:prstGeom>
+        </p:spPr>
+      </p:pic>
+    </p:spTree>
+    <p:extLst>
+      <p:ext uri="{BB962C8B-B14F-4D97-AF65-F5344CB8AC3E}">
+        <p14:creationId xmlns:p14="http://schemas.microsoft.com/office/powerpoint/2010/main" val="1028848881"/>
+      </p:ext>
+    </p:extLst>
+  </p:cSld>
+  <p:clrMapOvr>
+    <a:masterClrMapping/>
+  </p:clrMapOvr>
+</p:sld>
+</file>
+
+<file path=ppt/slides/slide3.xml><?xml version="1.0" encoding="utf-8"?>
 <p:sld xmlns:a="http://schemas.openxmlformats.org/drawingml/2006/main" xmlns:r="http://schemas.openxmlformats.org/officeDocument/2006/relationships" xmlns:p="http://schemas.openxmlformats.org/presentationml/2006/main">
   <p:cSld>
     <p:spTree>

--- a/asset/ppt/ch04.pptx
+++ b/asset/ppt/ch04.pptx
@@ -4288,7 +4288,7 @@
         </p:nvSpPr>
         <p:spPr>
           <a:xfrm>
-            <a:off x="2083385" y="2542893"/>
+            <a:off x="2107103" y="2830893"/>
             <a:ext cx="1800000" cy="360000"/>
           </a:xfrm>
           <a:prstGeom prst="rightArrow">
@@ -4337,8 +4337,8 @@
         </p:nvSpPr>
         <p:spPr>
           <a:xfrm>
-            <a:off x="1929200" y="1373342"/>
-            <a:ext cx="2155806" cy="1169551"/>
+            <a:off x="605206" y="1141077"/>
+            <a:ext cx="3494456" cy="1600438"/>
           </a:xfrm>
           <a:prstGeom prst="rect">
             <a:avLst/>
@@ -4384,10 +4384,26 @@
           </a:p>
           <a:p>
             <a:r>
+              <a:rPr kumimoji="1" lang="en-US" altLang="zh-TW" sz="1400" dirty="0" err="1">
+                <a:latin typeface="Courier New" panose="02070309020205020404" pitchFamily="49" charset="0"/>
+                <a:cs typeface="Courier New" panose="02070309020205020404" pitchFamily="49" charset="0"/>
+              </a:rPr>
+              <a:t>insert_in_middle</a:t>
+            </a:r>
+            <a:r>
               <a:rPr kumimoji="1" lang="en-US" altLang="zh-TW" sz="1400" dirty="0">
                 <a:latin typeface="Courier New" panose="02070309020205020404" pitchFamily="49" charset="0"/>
                 <a:cs typeface="Courier New" panose="02070309020205020404" pitchFamily="49" charset="0"/>
               </a:rPr>
+              <a:t>(index, value)</a:t>
+            </a:r>
+          </a:p>
+          <a:p>
+            <a:r>
+              <a:rPr kumimoji="1" lang="en-US" altLang="zh-TW" sz="1400" dirty="0">
+                <a:latin typeface="Courier New" panose="02070309020205020404" pitchFamily="49" charset="0"/>
+                <a:cs typeface="Courier New" panose="02070309020205020404" pitchFamily="49" charset="0"/>
+              </a:rPr>
               <a:t>delete(value)</a:t>
             </a:r>
           </a:p>
@@ -4421,6 +4437,22 @@
                 <a:cs typeface="Courier New" panose="02070309020205020404" pitchFamily="49" charset="0"/>
               </a:rPr>
               <a:t>()</a:t>
+            </a:r>
+          </a:p>
+          <a:p>
+            <a:r>
+              <a:rPr kumimoji="1" lang="en-US" altLang="zh-TW" sz="1400" dirty="0" err="1">
+                <a:latin typeface="Courier New" panose="02070309020205020404" pitchFamily="49" charset="0"/>
+                <a:cs typeface="Courier New" panose="02070309020205020404" pitchFamily="49" charset="0"/>
+              </a:rPr>
+              <a:t>delete_in_middle</a:t>
+            </a:r>
+            <a:r>
+              <a:rPr kumimoji="1" lang="en-US" altLang="zh-TW" sz="1400" dirty="0">
+                <a:latin typeface="Courier New" panose="02070309020205020404" pitchFamily="49" charset="0"/>
+                <a:cs typeface="Courier New" panose="02070309020205020404" pitchFamily="49" charset="0"/>
+              </a:rPr>
+              <a:t>(index)</a:t>
             </a:r>
           </a:p>
         </p:txBody>
